--- a/Presentasi.pptx
+++ b/Presentasi.pptx
@@ -13,6 +13,9 @@
     <p:sldId id="262" r:id="rId7"/>
     <p:sldId id="263" r:id="rId8"/>
     <p:sldId id="264" r:id="rId9"/>
+    <p:sldId id="265" r:id="rId10"/>
+    <p:sldId id="267" r:id="rId11"/>
+    <p:sldId id="268" r:id="rId12"/>
   </p:sldIdLst>
   <p:sldSz cx="9144000" cy="6858000" type="screen4x3"/>
   <p:notesSz cx="6858000" cy="9144000"/>
@@ -3266,6 +3269,271 @@
 </p:sld>
 </file>
 
+<file path=ppt/slides/slide10.xml><?xml version="1.0" encoding="utf-8"?>
+<p:sld xmlns:a="http://schemas.openxmlformats.org/drawingml/2006/main" xmlns:r="http://schemas.openxmlformats.org/officeDocument/2006/relationships" xmlns:p="http://schemas.openxmlformats.org/presentationml/2006/main">
+  <p:cSld>
+    <p:spTree>
+      <p:nvGrpSpPr>
+        <p:cNvPr id="1" name=""/>
+        <p:cNvGrpSpPr/>
+        <p:nvPr/>
+      </p:nvGrpSpPr>
+      <p:grpSpPr>
+        <a:xfrm>
+          <a:off x="0" y="0"/>
+          <a:ext cx="0" cy="0"/>
+          <a:chOff x="0" y="0"/>
+          <a:chExt cx="0" cy="0"/>
+        </a:xfrm>
+      </p:grpSpPr>
+      <p:sp>
+        <p:nvSpPr>
+          <p:cNvPr id="3" name="Content Placeholder 2"/>
+          <p:cNvSpPr>
+            <a:spLocks noGrp="1"/>
+          </p:cNvSpPr>
+          <p:nvPr>
+            <p:ph idx="1"/>
+          </p:nvPr>
+        </p:nvSpPr>
+        <p:spPr>
+          <a:xfrm>
+            <a:off x="457200" y="1196752"/>
+            <a:ext cx="7620000" cy="4800600"/>
+          </a:xfrm>
+        </p:spPr>
+        <p:txBody>
+          <a:bodyPr>
+            <a:normAutofit/>
+          </a:bodyPr>
+          <a:lstStyle/>
+          <a:p>
+            <a:pPr marL="571500" indent="-457200" algn="just">
+              <a:buFont typeface="+mj-lt"/>
+              <a:buAutoNum type="arabicPeriod" startAt="2"/>
+            </a:pPr>
+            <a:r>
+              <a:rPr lang="id-ID" sz="2000" dirty="0" smtClean="0"/>
+              <a:t> </a:t>
+            </a:r>
+            <a:r>
+              <a:rPr lang="id-ID" sz="2000" dirty="0"/>
+              <a:t>Apa saja yang mau dienkripsi (keseluruhan isi pesan, sebagian saja, atau yang lain)</a:t>
+            </a:r>
+            <a:r>
+              <a:rPr lang="id-ID" sz="2000" dirty="0" smtClean="0"/>
+              <a:t>.</a:t>
+            </a:r>
+          </a:p>
+          <a:p>
+            <a:pPr marL="411480" lvl="1" indent="0" algn="just">
+              <a:buNone/>
+            </a:pPr>
+            <a:r>
+              <a:rPr lang="id-ID" dirty="0" smtClean="0"/>
+              <a:t>Jawaban :</a:t>
+            </a:r>
+            <a:endParaRPr lang="id-ID" dirty="0"/>
+          </a:p>
+          <a:p>
+            <a:pPr marL="411480" lvl="1" indent="0" algn="just">
+              <a:buNone/>
+            </a:pPr>
+            <a:r>
+              <a:rPr lang="id-ID" sz="2800" dirty="0" smtClean="0"/>
+              <a:t>	</a:t>
+            </a:r>
+            <a:r>
+              <a:rPr lang="id-ID" sz="2800" dirty="0"/>
+              <a:t> Sebagian isi pesan, karena membutuhkan waktu yang lebih cepat. Blok yang akan dienkripsi akan dibuat dengan pola tertentu. </a:t>
+            </a:r>
+            <a:endParaRPr lang="id-ID" sz="2800" dirty="0" smtClean="0"/>
+          </a:p>
+        </p:txBody>
+      </p:sp>
+      <p:sp>
+        <p:nvSpPr>
+          <p:cNvPr id="4" name="Title 1"/>
+          <p:cNvSpPr>
+            <a:spLocks noGrp="1"/>
+          </p:cNvSpPr>
+          <p:nvPr>
+            <p:ph type="title"/>
+          </p:nvPr>
+        </p:nvSpPr>
+        <p:spPr>
+          <a:xfrm>
+            <a:off x="457200" y="274638"/>
+            <a:ext cx="7620000" cy="1143000"/>
+          </a:xfrm>
+        </p:spPr>
+        <p:txBody>
+          <a:bodyPr/>
+          <a:lstStyle/>
+          <a:p>
+            <a:r>
+              <a:rPr lang="id-ID" sz="4400" dirty="0" smtClean="0"/>
+              <a:t>DISKUSI KEAMANAN CHATTING</a:t>
+            </a:r>
+            <a:endParaRPr lang="id-ID" sz="4400" dirty="0"/>
+          </a:p>
+        </p:txBody>
+      </p:sp>
+    </p:spTree>
+    <p:extLst>
+      <p:ext uri="{BB962C8B-B14F-4D97-AF65-F5344CB8AC3E}">
+        <p14:creationId xmlns:p14="http://schemas.microsoft.com/office/powerpoint/2010/main" val="3068210229"/>
+      </p:ext>
+    </p:extLst>
+  </p:cSld>
+  <p:clrMapOvr>
+    <a:masterClrMapping/>
+  </p:clrMapOvr>
+</p:sld>
+</file>
+
+<file path=ppt/slides/slide11.xml><?xml version="1.0" encoding="utf-8"?>
+<p:sld xmlns:a="http://schemas.openxmlformats.org/drawingml/2006/main" xmlns:r="http://schemas.openxmlformats.org/officeDocument/2006/relationships" xmlns:p="http://schemas.openxmlformats.org/presentationml/2006/main">
+  <p:cSld>
+    <p:spTree>
+      <p:nvGrpSpPr>
+        <p:cNvPr id="1" name=""/>
+        <p:cNvGrpSpPr/>
+        <p:nvPr/>
+      </p:nvGrpSpPr>
+      <p:grpSpPr>
+        <a:xfrm>
+          <a:off x="0" y="0"/>
+          <a:ext cx="0" cy="0"/>
+          <a:chOff x="0" y="0"/>
+          <a:chExt cx="0" cy="0"/>
+        </a:xfrm>
+      </p:grpSpPr>
+      <p:sp>
+        <p:nvSpPr>
+          <p:cNvPr id="3" name="Content Placeholder 2"/>
+          <p:cNvSpPr>
+            <a:spLocks noGrp="1"/>
+          </p:cNvSpPr>
+          <p:nvPr>
+            <p:ph idx="1"/>
+          </p:nvPr>
+        </p:nvSpPr>
+        <p:spPr>
+          <a:xfrm>
+            <a:off x="457200" y="1196752"/>
+            <a:ext cx="7620000" cy="4800600"/>
+          </a:xfrm>
+        </p:spPr>
+        <p:txBody>
+          <a:bodyPr>
+            <a:normAutofit/>
+          </a:bodyPr>
+          <a:lstStyle/>
+          <a:p>
+            <a:pPr marL="571500" indent="-457200" algn="just">
+              <a:buFont typeface="+mj-lt"/>
+              <a:buAutoNum type="arabicPeriod" startAt="3"/>
+            </a:pPr>
+            <a:r>
+              <a:rPr lang="id-ID" sz="2000" dirty="0" smtClean="0"/>
+              <a:t> </a:t>
+            </a:r>
+            <a:r>
+              <a:rPr lang="id-ID" sz="2000" dirty="0"/>
+              <a:t>Bagaimana mendistribusikan key (disimpan di aplikasi, dikirim, atau yang lain). </a:t>
+            </a:r>
+            <a:endParaRPr lang="id-ID" sz="2000" dirty="0" smtClean="0"/>
+          </a:p>
+          <a:p>
+            <a:pPr marL="114300" indent="0" algn="just">
+              <a:buNone/>
+            </a:pPr>
+            <a:r>
+              <a:rPr lang="id-ID" sz="2000" dirty="0"/>
+              <a:t>	</a:t>
+            </a:r>
+            <a:r>
+              <a:rPr lang="id-ID" dirty="0" smtClean="0"/>
+              <a:t>Jawaban :</a:t>
+            </a:r>
+            <a:endParaRPr lang="id-ID" dirty="0"/>
+          </a:p>
+          <a:p>
+            <a:pPr marL="411480" lvl="1" indent="0" algn="just">
+              <a:buNone/>
+            </a:pPr>
+            <a:r>
+              <a:rPr lang="id-ID" sz="2800" dirty="0" smtClean="0"/>
+              <a:t>	</a:t>
+            </a:r>
+            <a:r>
+              <a:rPr lang="id-ID" sz="2800" dirty="0"/>
+              <a:t> - Membuat private key pada masing-masing klien. Kemudian klien memberikan public key nya secara </a:t>
+            </a:r>
+            <a:r>
+              <a:rPr lang="id-ID" sz="2800" dirty="0" smtClean="0"/>
+              <a:t>umum untuk enkripsi pesan, </a:t>
+            </a:r>
+            <a:r>
+              <a:rPr lang="id-ID" sz="2800" dirty="0"/>
+              <a:t>tetapi yang digunakan untuk dekripsi adalah private key yang tidak disebar pada seorang </a:t>
+            </a:r>
+            <a:r>
+              <a:rPr lang="id-ID" sz="2800" dirty="0" smtClean="0"/>
+              <a:t>pun.</a:t>
+            </a:r>
+            <a:endParaRPr lang="id-ID" sz="2800" dirty="0"/>
+          </a:p>
+          <a:p>
+            <a:pPr marL="411480" lvl="1" indent="0" algn="just">
+              <a:buNone/>
+            </a:pPr>
+            <a:endParaRPr lang="id-ID" sz="2800" dirty="0" smtClean="0"/>
+          </a:p>
+        </p:txBody>
+      </p:sp>
+      <p:sp>
+        <p:nvSpPr>
+          <p:cNvPr id="4" name="Title 1"/>
+          <p:cNvSpPr>
+            <a:spLocks noGrp="1"/>
+          </p:cNvSpPr>
+          <p:nvPr>
+            <p:ph type="title"/>
+          </p:nvPr>
+        </p:nvSpPr>
+        <p:spPr>
+          <a:xfrm>
+            <a:off x="457200" y="274638"/>
+            <a:ext cx="7620000" cy="1143000"/>
+          </a:xfrm>
+        </p:spPr>
+        <p:txBody>
+          <a:bodyPr/>
+          <a:lstStyle/>
+          <a:p>
+            <a:r>
+              <a:rPr lang="id-ID" sz="4400" dirty="0" smtClean="0"/>
+              <a:t>DISKUSI KEAMANAN CHATTING</a:t>
+            </a:r>
+            <a:endParaRPr lang="id-ID" sz="4400" dirty="0"/>
+          </a:p>
+        </p:txBody>
+      </p:sp>
+    </p:spTree>
+    <p:extLst>
+      <p:ext uri="{BB962C8B-B14F-4D97-AF65-F5344CB8AC3E}">
+        <p14:creationId xmlns:p14="http://schemas.microsoft.com/office/powerpoint/2010/main" val="955947024"/>
+      </p:ext>
+    </p:extLst>
+  </p:cSld>
+  <p:clrMapOvr>
+    <a:masterClrMapping/>
+  </p:clrMapOvr>
+</p:sld>
+</file>
+
 <file path=ppt/slides/slide2.xml><?xml version="1.0" encoding="utf-8"?>
 <p:sld xmlns:a="http://schemas.openxmlformats.org/drawingml/2006/main" xmlns:r="http://schemas.openxmlformats.org/officeDocument/2006/relationships" xmlns:p="http://schemas.openxmlformats.org/presentationml/2006/main">
   <p:cSld>
@@ -3659,7 +3927,7 @@
         </p:nvGraphicFramePr>
         <p:xfrm>
           <a:off x="832638" y="3158877"/>
-          <a:ext cx="7627794" cy="583311"/>
+          <a:ext cx="7627794" cy="593408"/>
         </p:xfrm>
         <a:graphic>
           <a:graphicData uri="http://schemas.openxmlformats.org/drawingml/2006/table">
@@ -3838,19 +4106,7 @@
                         <a:rPr lang="id-ID" sz="1400" b="1" dirty="0" smtClean="0">
                           <a:effectLst/>
                         </a:rPr>
-                        <a:t>ARIS</a:t>
-                      </a:r>
-                      <a:r>
-                        <a:rPr lang="id-ID" sz="1400" b="1" dirty="0" smtClean="0">
-                          <a:effectLst/>
-                        </a:rPr>
-                        <a:t>:!&gt;</a:t>
-                      </a:r>
-                      <a:r>
-                        <a:rPr lang="id-ID" sz="1400" b="1" dirty="0" smtClean="0">
-                          <a:effectLst/>
-                        </a:rPr>
-                        <a:t>”</a:t>
+                        <a:t>ARIS:!&gt;”</a:t>
                       </a:r>
                       <a:endParaRPr lang="id-ID" sz="1400" b="1" dirty="0">
                         <a:solidFill>
@@ -3972,8 +4228,12 @@
           <a:lstStyle/>
           <a:p>
             <a:r>
+              <a:rPr lang="id-ID" dirty="0"/>
+              <a:t>Register Response </a:t>
+            </a:r>
+            <a:r>
               <a:rPr lang="id-ID" dirty="0" smtClean="0"/>
-              <a:t>Login Response Sukses</a:t>
+              <a:t>Sukses</a:t>
             </a:r>
             <a:endParaRPr lang="id-ID" dirty="0"/>
           </a:p>
@@ -4002,12 +4262,8 @@
           <a:lstStyle/>
           <a:p>
             <a:r>
-              <a:rPr lang="id-ID" dirty="0" smtClean="0"/>
-              <a:t>Login Response </a:t>
-            </a:r>
-            <a:r>
-              <a:rPr lang="id-ID" dirty="0" smtClean="0"/>
-              <a:t>Failed</a:t>
+              <a:rPr lang="id-ID" dirty="0"/>
+              <a:t>Register Response Gagal</a:t>
             </a:r>
             <a:endParaRPr lang="id-ID" dirty="0"/>
           </a:p>
@@ -4029,7 +4285,7 @@
         </p:nvGraphicFramePr>
         <p:xfrm>
           <a:off x="827583" y="4437112"/>
-          <a:ext cx="7593435" cy="583311"/>
+          <a:ext cx="7593435" cy="593408"/>
         </p:xfrm>
         <a:graphic>
           <a:graphicData uri="http://schemas.openxmlformats.org/drawingml/2006/table">
@@ -4196,13 +4452,7 @@
                         <a:rPr lang="id-ID" sz="1400" b="1" dirty="0" smtClean="0">
                           <a:effectLst/>
                         </a:rPr>
-                        <a:t>REGISTER:VARIS</a:t>
-                      </a:r>
-                      <a:r>
-                        <a:rPr lang="id-ID" sz="1400" b="1" dirty="0" smtClean="0">
-                          <a:effectLst/>
-                        </a:rPr>
-                        <a:t>:!&gt;</a:t>
+                        <a:t>REGISTER:VARIS:!&gt;</a:t>
                       </a:r>
                       <a:r>
                         <a:rPr lang="en-US" sz="1400" b="1" dirty="0" smtClean="0">
@@ -4713,7 +4963,7 @@
         </p:nvGraphicFramePr>
         <p:xfrm>
           <a:off x="832638" y="3158877"/>
-          <a:ext cx="7627794" cy="583311"/>
+          <a:ext cx="7627794" cy="593408"/>
         </p:xfrm>
         <a:graphic>
           <a:graphicData uri="http://schemas.openxmlformats.org/drawingml/2006/table">
@@ -4904,13 +5154,7 @@
                         <a:rPr lang="id-ID" sz="1400" b="1" dirty="0" smtClean="0">
                           <a:effectLst/>
                         </a:rPr>
-                        <a:t>:!&gt;</a:t>
-                      </a:r>
-                      <a:r>
-                        <a:rPr lang="id-ID" sz="1400" b="1" dirty="0" smtClean="0">
-                          <a:effectLst/>
-                        </a:rPr>
-                        <a:t>”</a:t>
+                        <a:t>:!&gt;”</a:t>
                       </a:r>
                       <a:endParaRPr lang="id-ID" sz="1400" b="1" dirty="0">
                         <a:solidFill>
@@ -5066,8 +5310,8 @@
               <a:t>Login Response </a:t>
             </a:r>
             <a:r>
-              <a:rPr lang="id-ID" dirty="0" smtClean="0"/>
-              <a:t>Failed</a:t>
+              <a:rPr lang="id-ID" dirty="0"/>
+              <a:t>Gagal</a:t>
             </a:r>
             <a:endParaRPr lang="id-ID" dirty="0"/>
           </a:p>
@@ -5089,7 +5333,7 @@
         </p:nvGraphicFramePr>
         <p:xfrm>
           <a:off x="827583" y="4437112"/>
-          <a:ext cx="7593435" cy="583311"/>
+          <a:ext cx="7593435" cy="593408"/>
         </p:xfrm>
         <a:graphic>
           <a:graphicData uri="http://schemas.openxmlformats.org/drawingml/2006/table">
@@ -5256,13 +5500,7 @@
                         <a:rPr lang="id-ID" sz="1400" b="1" dirty="0" smtClean="0">
                           <a:effectLst/>
                         </a:rPr>
-                        <a:t>:VARIS</a:t>
-                      </a:r>
-                      <a:r>
-                        <a:rPr lang="id-ID" sz="1400" b="1" dirty="0" smtClean="0">
-                          <a:effectLst/>
-                        </a:rPr>
-                        <a:t>:!&gt;</a:t>
+                        <a:t>:VARIS:!&gt;</a:t>
                       </a:r>
                       <a:r>
                         <a:rPr lang="en-US" sz="1400" b="1" dirty="0" smtClean="0">
@@ -5604,13 +5842,7 @@
                         <a:rPr lang="id-ID" sz="1400" b="1" dirty="0" smtClean="0">
                           <a:effectLst/>
                         </a:rPr>
-                        <a:t>IST:SESSION:</a:t>
-                      </a:r>
-                      <a:r>
-                        <a:rPr lang="id-ID" sz="1400" b="1" dirty="0" smtClean="0">
-                          <a:effectLst/>
-                        </a:rPr>
-                        <a:t>a</a:t>
+                        <a:t>IST:SESSION:a</a:t>
                       </a:r>
                       <a:r>
                         <a:rPr lang="en-US" sz="1400" b="1" dirty="0" smtClean="0">
@@ -5767,7 +5999,7 @@
         </p:nvGraphicFramePr>
         <p:xfrm>
           <a:off x="832638" y="3158877"/>
-          <a:ext cx="7627794" cy="583311"/>
+          <a:ext cx="7627794" cy="593408"/>
         </p:xfrm>
         <a:graphic>
           <a:graphicData uri="http://schemas.openxmlformats.org/drawingml/2006/table">
@@ -5958,19 +6190,7 @@
                         <a:rPr lang="id-ID" sz="1400" b="1" dirty="0" smtClean="0">
                           <a:effectLst/>
                         </a:rPr>
-                        <a:t>:DATA:VARIS:FADRI</a:t>
-                      </a:r>
-                      <a:r>
-                        <a:rPr lang="id-ID" sz="1400" b="1" dirty="0" smtClean="0">
-                          <a:effectLst/>
-                        </a:rPr>
-                        <a:t>:!&gt;</a:t>
-                      </a:r>
-                      <a:r>
-                        <a:rPr lang="id-ID" sz="1400" b="1" dirty="0" smtClean="0">
-                          <a:effectLst/>
-                        </a:rPr>
-                        <a:t>”</a:t>
+                        <a:t>:DATA:VARIS:FADRI:!&gt;”</a:t>
                       </a:r>
                       <a:endParaRPr lang="id-ID" sz="1400" b="1" dirty="0">
                         <a:solidFill>
@@ -6092,8 +6312,12 @@
           <a:lstStyle/>
           <a:p>
             <a:r>
+              <a:rPr lang="id-ID" dirty="0"/>
+              <a:t>List Response </a:t>
+            </a:r>
+            <a:r>
               <a:rPr lang="id-ID" dirty="0" smtClean="0"/>
-              <a:t>Login Response Sukses</a:t>
+              <a:t>Sukses</a:t>
             </a:r>
             <a:endParaRPr lang="id-ID" dirty="0"/>
           </a:p>
@@ -6122,8 +6346,8 @@
           <a:lstStyle/>
           <a:p>
             <a:r>
-              <a:rPr lang="id-ID" dirty="0" smtClean="0"/>
-              <a:t>Login Response Failed</a:t>
+              <a:rPr lang="id-ID" dirty="0"/>
+              <a:t>List Response Gagal</a:t>
             </a:r>
             <a:endParaRPr lang="id-ID" dirty="0"/>
           </a:p>
@@ -6138,7 +6362,7 @@
           <p:nvPr>
             <p:extLst>
               <p:ext uri="{D42A27DB-BD31-4B8C-83A1-F6EECF244321}">
-                <p14:modId xmlns:p14="http://schemas.microsoft.com/office/powerpoint/2010/main" val="325854102"/>
+                <p14:modId xmlns:p14="http://schemas.microsoft.com/office/powerpoint/2010/main" val="3883069209"/>
               </p:ext>
             </p:extLst>
           </p:nvPr>
@@ -6309,28 +6533,22 @@
                         <a:t>RTR: </a:t>
                       </a:r>
                       <a:r>
+                        <a:rPr lang="id-ID" sz="1400" b="1" dirty="0" smtClean="0">
+                          <a:effectLst/>
+                        </a:rPr>
+                        <a:t>FAILED</a:t>
+                      </a:r>
+                      <a:r>
                         <a:rPr lang="en-US" sz="1400" b="1" dirty="0" smtClean="0">
                           <a:effectLst/>
                         </a:rPr>
-                        <a:t>SUCCESSL</a:t>
+                        <a:t>L</a:t>
                       </a:r>
                       <a:r>
                         <a:rPr lang="id-ID" sz="1400" b="1" dirty="0" smtClean="0">
                           <a:effectLst/>
                         </a:rPr>
-                        <a:t>IST</a:t>
-                      </a:r>
-                      <a:r>
-                        <a:rPr lang="id-ID" sz="1400" b="1" dirty="0" smtClean="0">
-                          <a:effectLst/>
-                        </a:rPr>
-                        <a:t>:VARIS</a:t>
-                      </a:r>
-                      <a:r>
-                        <a:rPr lang="id-ID" sz="1400" b="1" dirty="0" smtClean="0">
-                          <a:effectLst/>
-                        </a:rPr>
-                        <a:t>:!&gt;</a:t>
+                        <a:t>IST:VARIS:!&gt;</a:t>
                       </a:r>
                       <a:r>
                         <a:rPr lang="en-US" sz="1400" b="1" dirty="0" smtClean="0">
@@ -6672,13 +6890,7 @@
                         <a:rPr lang="id-ID" sz="1400" b="1" dirty="0" smtClean="0">
                           <a:effectLst/>
                         </a:rPr>
-                        <a:t>HAT:VARIS:FADRI:MESSAGE:SESSION:</a:t>
-                      </a:r>
-                      <a:r>
-                        <a:rPr lang="id-ID" sz="1400" b="1" dirty="0" smtClean="0">
-                          <a:effectLst/>
-                        </a:rPr>
-                        <a:t>a</a:t>
+                        <a:t>HAT:VARIS:FADRI:MESSAGE:SESSION:a</a:t>
                       </a:r>
                       <a:r>
                         <a:rPr lang="en-US" sz="1400" b="1" dirty="0" smtClean="0">
@@ -6835,7 +7047,7 @@
         </p:nvGraphicFramePr>
         <p:xfrm>
           <a:off x="832638" y="3158877"/>
-          <a:ext cx="7627794" cy="583311"/>
+          <a:ext cx="7627794" cy="593408"/>
         </p:xfrm>
         <a:graphic>
           <a:graphicData uri="http://schemas.openxmlformats.org/drawingml/2006/table">
@@ -7002,19 +7214,7 @@
                         <a:rPr lang="id-ID" sz="1400" b="1" dirty="0" smtClean="0">
                           <a:effectLst/>
                         </a:rPr>
-                        <a:t>HAT</a:t>
-                      </a:r>
-                      <a:r>
-                        <a:rPr lang="id-ID" sz="1400" b="1" dirty="0" smtClean="0">
-                          <a:effectLst/>
-                        </a:rPr>
-                        <a:t>:!&gt;</a:t>
-                      </a:r>
-                      <a:r>
-                        <a:rPr lang="id-ID" sz="1400" b="1" dirty="0" smtClean="0">
-                          <a:effectLst/>
-                        </a:rPr>
-                        <a:t>”</a:t>
+                        <a:t>HAT:!&gt;”</a:t>
                       </a:r>
                       <a:endParaRPr lang="id-ID" sz="1400" b="1" dirty="0">
                         <a:solidFill>
@@ -7136,8 +7336,12 @@
           <a:lstStyle/>
           <a:p>
             <a:r>
+              <a:rPr lang="id-ID" dirty="0"/>
+              <a:t>Chat Response </a:t>
+            </a:r>
+            <a:r>
               <a:rPr lang="id-ID" dirty="0" smtClean="0"/>
-              <a:t>Login Response Sukses</a:t>
+              <a:t>Sukses</a:t>
             </a:r>
             <a:endParaRPr lang="id-ID" dirty="0"/>
           </a:p>
@@ -7166,8 +7370,12 @@
           <a:lstStyle/>
           <a:p>
             <a:r>
+              <a:rPr lang="id-ID" dirty="0"/>
+              <a:t>Chat Response </a:t>
+            </a:r>
+            <a:r>
               <a:rPr lang="id-ID" dirty="0" smtClean="0"/>
-              <a:t>Login Response Sukses</a:t>
+              <a:t>Gagal</a:t>
             </a:r>
             <a:endParaRPr lang="id-ID" dirty="0"/>
           </a:p>
@@ -7189,7 +7397,7 @@
         </p:nvGraphicFramePr>
         <p:xfrm>
           <a:off x="827583" y="4437112"/>
-          <a:ext cx="7593435" cy="583311"/>
+          <a:ext cx="7593435" cy="593408"/>
         </p:xfrm>
         <a:graphic>
           <a:graphicData uri="http://schemas.openxmlformats.org/drawingml/2006/table">
@@ -7560,7 +7768,7 @@
         </p:nvGraphicFramePr>
         <p:xfrm>
           <a:off x="832638" y="1988840"/>
-          <a:ext cx="7627794" cy="583311"/>
+          <a:ext cx="7627794" cy="593408"/>
         </p:xfrm>
         <a:graphic>
           <a:graphicData uri="http://schemas.openxmlformats.org/drawingml/2006/table">
@@ -7727,19 +7935,7 @@
                         <a:rPr lang="id-ID" sz="1400" b="1" dirty="0" smtClean="0">
                           <a:effectLst/>
                         </a:rPr>
-                        <a:t>CHAT</a:t>
-                      </a:r>
-                      <a:r>
-                        <a:rPr lang="id-ID" sz="1400" b="1" dirty="0" smtClean="0">
-                          <a:effectLst/>
-                        </a:rPr>
-                        <a:t>:VARIS:FADRI:MESSAGE!&gt;</a:t>
-                      </a:r>
-                      <a:r>
-                        <a:rPr lang="id-ID" sz="1400" b="1" dirty="0" smtClean="0">
-                          <a:effectLst/>
-                        </a:rPr>
-                        <a:t>”</a:t>
+                        <a:t>CHAT:VARIS:FADRI:MESSAGE!&gt;”</a:t>
                       </a:r>
                       <a:endParaRPr lang="id-ID" sz="1400" b="1" dirty="0">
                         <a:solidFill>
@@ -8075,13 +8271,7 @@
                         <a:rPr lang="id-ID" sz="1400" b="1" dirty="0" smtClean="0">
                           <a:effectLst/>
                         </a:rPr>
-                        <a:t>LOGOUT:VARIS:SESSION:</a:t>
-                      </a:r>
-                      <a:r>
-                        <a:rPr lang="id-ID" sz="1400" b="1" dirty="0" smtClean="0">
-                          <a:effectLst/>
-                        </a:rPr>
-                        <a:t>a</a:t>
+                        <a:t>LOGOUT:VARIS:SESSION:a</a:t>
                       </a:r>
                       <a:r>
                         <a:rPr lang="en-US" sz="1400" b="1" dirty="0" smtClean="0">
@@ -8238,7 +8428,7 @@
         </p:nvGraphicFramePr>
         <p:xfrm>
           <a:off x="832638" y="3158877"/>
-          <a:ext cx="7627794" cy="583311"/>
+          <a:ext cx="7627794" cy="593408"/>
         </p:xfrm>
         <a:graphic>
           <a:graphicData uri="http://schemas.openxmlformats.org/drawingml/2006/table">
@@ -8405,19 +8595,7 @@
                         <a:rPr lang="id-ID" sz="1400" b="1" dirty="0" smtClean="0">
                           <a:effectLst/>
                         </a:rPr>
-                        <a:t>LOGOUT</a:t>
-                      </a:r>
-                      <a:r>
-                        <a:rPr lang="id-ID" sz="1400" b="1" dirty="0" smtClean="0">
-                          <a:effectLst/>
-                        </a:rPr>
-                        <a:t>:!&gt;</a:t>
-                      </a:r>
-                      <a:r>
-                        <a:rPr lang="id-ID" sz="1400" b="1" dirty="0" smtClean="0">
-                          <a:effectLst/>
-                        </a:rPr>
-                        <a:t>”</a:t>
+                        <a:t>LOGOUT:!&gt;”</a:t>
                       </a:r>
                       <a:endParaRPr lang="id-ID" sz="1400" b="1" dirty="0">
                         <a:solidFill>
@@ -8539,8 +8717,12 @@
           <a:lstStyle/>
           <a:p>
             <a:r>
+              <a:rPr lang="id-ID" dirty="0"/>
+              <a:t>Logout Response </a:t>
+            </a:r>
+            <a:r>
               <a:rPr lang="id-ID" dirty="0" smtClean="0"/>
-              <a:t>Login Response Sukses</a:t>
+              <a:t>Sukses</a:t>
             </a:r>
             <a:endParaRPr lang="id-ID" dirty="0"/>
           </a:p>
@@ -8569,8 +8751,8 @@
           <a:lstStyle/>
           <a:p>
             <a:r>
-              <a:rPr lang="id-ID" dirty="0" smtClean="0"/>
-              <a:t>Login Response Sukses</a:t>
+              <a:rPr lang="id-ID" dirty="0"/>
+              <a:t>Logout Response Gagal</a:t>
             </a:r>
             <a:endParaRPr lang="id-ID" dirty="0"/>
           </a:p>
@@ -8592,7 +8774,7 @@
         </p:nvGraphicFramePr>
         <p:xfrm>
           <a:off x="827583" y="4437112"/>
-          <a:ext cx="7593435" cy="583311"/>
+          <a:ext cx="7593435" cy="593408"/>
         </p:xfrm>
         <a:graphic>
           <a:graphicData uri="http://schemas.openxmlformats.org/drawingml/2006/table">
@@ -8945,8 +9127,18 @@
           </a:p>
           <a:p>
             <a:r>
-              <a:rPr lang="id-ID" smtClean="0"/>
-              <a:t>Hentikan koneksi antaran server dan klien saat kadaluarsa.</a:t>
+              <a:rPr lang="id-ID" dirty="0" smtClean="0"/>
+              <a:t>Hentikan koneksi antaran server dan klien saat kadaluarsa</a:t>
+            </a:r>
+            <a:r>
+              <a:rPr lang="id-ID" dirty="0" smtClean="0"/>
+              <a:t>.</a:t>
+            </a:r>
+          </a:p>
+          <a:p>
+            <a:r>
+              <a:rPr lang="id-ID" dirty="0" smtClean="0"/>
+              <a:t>Menggunakan metode Public Key Cryptography</a:t>
             </a:r>
             <a:endParaRPr lang="id-ID" dirty="0"/>
           </a:p>
@@ -8956,6 +9148,116 @@
     <p:extLst>
       <p:ext uri="{BB962C8B-B14F-4D97-AF65-F5344CB8AC3E}">
         <p14:creationId xmlns:p14="http://schemas.microsoft.com/office/powerpoint/2010/main" val="539839096"/>
+      </p:ext>
+    </p:extLst>
+  </p:cSld>
+  <p:clrMapOvr>
+    <a:masterClrMapping/>
+  </p:clrMapOvr>
+</p:sld>
+</file>
+
+<file path=ppt/slides/slide9.xml><?xml version="1.0" encoding="utf-8"?>
+<p:sld xmlns:a="http://schemas.openxmlformats.org/drawingml/2006/main" xmlns:r="http://schemas.openxmlformats.org/officeDocument/2006/relationships" xmlns:p="http://schemas.openxmlformats.org/presentationml/2006/main">
+  <p:cSld>
+    <p:spTree>
+      <p:nvGrpSpPr>
+        <p:cNvPr id="1" name=""/>
+        <p:cNvGrpSpPr/>
+        <p:nvPr/>
+      </p:nvGrpSpPr>
+      <p:grpSpPr>
+        <a:xfrm>
+          <a:off x="0" y="0"/>
+          <a:ext cx="0" cy="0"/>
+          <a:chOff x="0" y="0"/>
+          <a:chExt cx="0" cy="0"/>
+        </a:xfrm>
+      </p:grpSpPr>
+      <p:sp>
+        <p:nvSpPr>
+          <p:cNvPr id="3" name="Content Placeholder 2"/>
+          <p:cNvSpPr>
+            <a:spLocks noGrp="1"/>
+          </p:cNvSpPr>
+          <p:nvPr>
+            <p:ph idx="1"/>
+          </p:nvPr>
+        </p:nvSpPr>
+        <p:spPr>
+          <a:xfrm>
+            <a:off x="457200" y="1196752"/>
+            <a:ext cx="7620000" cy="4800600"/>
+          </a:xfrm>
+        </p:spPr>
+        <p:txBody>
+          <a:bodyPr>
+            <a:normAutofit/>
+          </a:bodyPr>
+          <a:lstStyle/>
+          <a:p>
+            <a:pPr marL="571500" indent="-457200">
+              <a:buFont typeface="+mj-lt"/>
+              <a:buAutoNum type="arabicPeriod"/>
+            </a:pPr>
+            <a:r>
+              <a:rPr lang="id-ID" sz="2000" dirty="0" smtClean="0"/>
+              <a:t> Algoritma apa saja yang mau digunakan (bisa lebih dari 1). Termasuk mode operasi yang akan digunakan, jika menggunakan enkripsi blok. Jelaskan alasannya.</a:t>
+            </a:r>
+          </a:p>
+          <a:p>
+            <a:pPr marL="411480" lvl="1" indent="0">
+              <a:buNone/>
+            </a:pPr>
+            <a:r>
+              <a:rPr lang="id-ID" dirty="0" smtClean="0"/>
+              <a:t>Jawaban :</a:t>
+            </a:r>
+            <a:endParaRPr lang="id-ID" dirty="0"/>
+          </a:p>
+          <a:p>
+            <a:pPr marL="411480" lvl="1" indent="0">
+              <a:buNone/>
+            </a:pPr>
+            <a:r>
+              <a:rPr lang="id-ID" sz="2800" dirty="0" smtClean="0"/>
+              <a:t>	Menggunakan AES, dengan mode operasi CBC, karena key nya berubah-ubah pada setiap round, sehingga pada setiap round tidak ada pola tertentu. Hal ini membuat enkripsi menjadi lebih sulit ditebak. </a:t>
+            </a:r>
+          </a:p>
+        </p:txBody>
+      </p:sp>
+      <p:sp>
+        <p:nvSpPr>
+          <p:cNvPr id="4" name="Title 1"/>
+          <p:cNvSpPr>
+            <a:spLocks noGrp="1"/>
+          </p:cNvSpPr>
+          <p:nvPr>
+            <p:ph type="title"/>
+          </p:nvPr>
+        </p:nvSpPr>
+        <p:spPr>
+          <a:xfrm>
+            <a:off x="457200" y="274638"/>
+            <a:ext cx="7620000" cy="1143000"/>
+          </a:xfrm>
+        </p:spPr>
+        <p:txBody>
+          <a:bodyPr/>
+          <a:lstStyle/>
+          <a:p>
+            <a:r>
+              <a:rPr lang="id-ID" sz="4400" dirty="0" smtClean="0"/>
+              <a:t>DISKUSI KEAMANAN CHATTING</a:t>
+            </a:r>
+            <a:endParaRPr lang="id-ID" sz="4400" dirty="0"/>
+          </a:p>
+        </p:txBody>
+      </p:sp>
+    </p:spTree>
+    <p:extLst>
+      <p:ext uri="{BB962C8B-B14F-4D97-AF65-F5344CB8AC3E}">
+        <p14:creationId xmlns:p14="http://schemas.microsoft.com/office/powerpoint/2010/main" val="2628406448"/>
       </p:ext>
     </p:extLst>
   </p:cSld>

--- a/Presentasi.pptx
+++ b/Presentasi.pptx
@@ -3247,7 +3247,11 @@
             </a:r>
             <a:r>
               <a:rPr lang="id-ID" dirty="0" smtClean="0"/>
-              <a:t>	5112100147</a:t>
+              <a:t>	</a:t>
+            </a:r>
+            <a:r>
+              <a:rPr lang="id-ID" dirty="0" smtClean="0"/>
+              <a:t>5112100149</a:t>
             </a:r>
             <a:endParaRPr lang="id-ID" dirty="0"/>
           </a:p>
@@ -4265,7 +4269,6 @@
               <a:rPr lang="id-ID" dirty="0"/>
               <a:t>Register Response Gagal</a:t>
             </a:r>
-            <a:endParaRPr lang="id-ID" dirty="0"/>
           </a:p>
         </p:txBody>
       </p:sp>
@@ -5313,7 +5316,6 @@
               <a:rPr lang="id-ID" dirty="0"/>
               <a:t>Gagal</a:t>
             </a:r>
-            <a:endParaRPr lang="id-ID" dirty="0"/>
           </a:p>
         </p:txBody>
       </p:sp>
@@ -6349,7 +6351,6 @@
               <a:rPr lang="id-ID" dirty="0"/>
               <a:t>List Response Gagal</a:t>
             </a:r>
-            <a:endParaRPr lang="id-ID" dirty="0"/>
           </a:p>
         </p:txBody>
       </p:sp>
@@ -6369,7 +6370,7 @@
         </p:nvGraphicFramePr>
         <p:xfrm>
           <a:off x="827583" y="4437112"/>
-          <a:ext cx="7593435" cy="583311"/>
+          <a:ext cx="7593435" cy="593408"/>
         </p:xfrm>
         <a:graphic>
           <a:graphicData uri="http://schemas.openxmlformats.org/drawingml/2006/table">
@@ -8754,7 +8755,6 @@
               <a:rPr lang="id-ID" dirty="0"/>
               <a:t>Logout Response Gagal</a:t>
             </a:r>
-            <a:endParaRPr lang="id-ID" dirty="0"/>
           </a:p>
         </p:txBody>
       </p:sp>
@@ -9128,11 +9128,19 @@
           <a:p>
             <a:r>
               <a:rPr lang="id-ID" dirty="0" smtClean="0"/>
-              <a:t>Hentikan koneksi antaran server dan klien saat kadaluarsa</a:t>
+              <a:t>Hentikan </a:t>
+            </a:r>
+            <a:r>
+              <a:rPr lang="id-ID" smtClean="0"/>
+              <a:t>koneksi </a:t>
+            </a:r>
+            <a:r>
+              <a:rPr lang="id-ID" smtClean="0"/>
+              <a:t>antara </a:t>
             </a:r>
             <a:r>
               <a:rPr lang="id-ID" dirty="0" smtClean="0"/>
-              <a:t>.</a:t>
+              <a:t>server dan klien saat kadaluarsa.</a:t>
             </a:r>
           </a:p>
           <a:p>

--- a/Presentasi.pptx
+++ b/Presentasi.pptx
@@ -6,16 +6,17 @@
   </p:sldMasterIdLst>
   <p:sldIdLst>
     <p:sldId id="256" r:id="rId2"/>
-    <p:sldId id="257" r:id="rId3"/>
-    <p:sldId id="258" r:id="rId4"/>
-    <p:sldId id="259" r:id="rId5"/>
-    <p:sldId id="261" r:id="rId6"/>
-    <p:sldId id="262" r:id="rId7"/>
-    <p:sldId id="263" r:id="rId8"/>
-    <p:sldId id="264" r:id="rId9"/>
-    <p:sldId id="265" r:id="rId10"/>
-    <p:sldId id="267" r:id="rId11"/>
-    <p:sldId id="268" r:id="rId12"/>
+    <p:sldId id="269" r:id="rId3"/>
+    <p:sldId id="257" r:id="rId4"/>
+    <p:sldId id="258" r:id="rId5"/>
+    <p:sldId id="259" r:id="rId6"/>
+    <p:sldId id="261" r:id="rId7"/>
+    <p:sldId id="262" r:id="rId8"/>
+    <p:sldId id="263" r:id="rId9"/>
+    <p:sldId id="264" r:id="rId10"/>
+    <p:sldId id="265" r:id="rId11"/>
+    <p:sldId id="267" r:id="rId12"/>
+    <p:sldId id="268" r:id="rId13"/>
   </p:sldIdLst>
   <p:sldSz cx="9144000" cy="6858000" type="screen4x3"/>
   <p:notesSz cx="6858000" cy="9144000"/>
@@ -114,6 +115,22 @@
       </a:defRPr>
     </a:lvl9pPr>
   </p:defaultTextStyle>
+  <p:extLst>
+    <p:ext uri="{EFAFB233-063F-42B5-8137-9DF3F51BA10A}">
+      <p15:sldGuideLst xmlns:p15="http://schemas.microsoft.com/office/powerpoint/2012/main">
+        <p15:guide id="1" orient="horz" pos="2160">
+          <p15:clr>
+            <a:srgbClr val="A4A3A4"/>
+          </p15:clr>
+        </p15:guide>
+        <p15:guide id="2" pos="2880">
+          <p15:clr>
+            <a:srgbClr val="A4A3A4"/>
+          </p15:clr>
+        </p15:guide>
+      </p15:sldGuideLst>
+    </p:ext>
+  </p:extLst>
 </p:presentation>
 </file>
 
@@ -3247,11 +3264,7 @@
             </a:r>
             <a:r>
               <a:rPr lang="id-ID" dirty="0" smtClean="0"/>
-              <a:t>	</a:t>
-            </a:r>
-            <a:r>
-              <a:rPr lang="id-ID" dirty="0" smtClean="0"/>
-              <a:t>5112100149</a:t>
+              <a:t>	5112100149</a:t>
             </a:r>
             <a:endParaRPr lang="id-ID" dirty="0"/>
           </a:p>
@@ -3270,6 +3283,13 @@
   <p:clrMapOvr>
     <a:masterClrMapping/>
   </p:clrMapOvr>
+  <p:timing>
+    <p:tnLst>
+      <p:par>
+        <p:cTn id="1" dur="indefinite" restart="never" nodeType="tmRoot"/>
+      </p:par>
+    </p:tnLst>
+  </p:timing>
 </p:sld>
 </file>
 
@@ -3312,25 +3332,17 @@
           </a:bodyPr>
           <a:lstStyle/>
           <a:p>
-            <a:pPr marL="571500" indent="-457200" algn="just">
+            <a:pPr marL="571500" indent="-457200">
               <a:buFont typeface="+mj-lt"/>
-              <a:buAutoNum type="arabicPeriod" startAt="2"/>
+              <a:buAutoNum type="arabicPeriod"/>
             </a:pPr>
             <a:r>
               <a:rPr lang="id-ID" sz="2000" dirty="0" smtClean="0"/>
-              <a:t> </a:t>
-            </a:r>
-            <a:r>
-              <a:rPr lang="id-ID" sz="2000" dirty="0"/>
-              <a:t>Apa saja yang mau dienkripsi (keseluruhan isi pesan, sebagian saja, atau yang lain)</a:t>
-            </a:r>
-            <a:r>
-              <a:rPr lang="id-ID" sz="2000" dirty="0" smtClean="0"/>
-              <a:t>.</a:t>
-            </a:r>
-          </a:p>
-          <a:p>
-            <a:pPr marL="411480" lvl="1" indent="0" algn="just">
+              <a:t> Algoritma apa saja yang mau digunakan (bisa lebih dari 1). Termasuk mode operasi yang akan digunakan, jika menggunakan enkripsi blok. Jelaskan alasannya.</a:t>
+            </a:r>
+          </a:p>
+          <a:p>
+            <a:pPr marL="411480" lvl="1" indent="0">
               <a:buNone/>
             </a:pPr>
             <a:r>
@@ -3340,18 +3352,13 @@
             <a:endParaRPr lang="id-ID" dirty="0"/>
           </a:p>
           <a:p>
-            <a:pPr marL="411480" lvl="1" indent="0" algn="just">
+            <a:pPr marL="411480" lvl="1" indent="0">
               <a:buNone/>
             </a:pPr>
             <a:r>
               <a:rPr lang="id-ID" sz="2800" dirty="0" smtClean="0"/>
-              <a:t>	</a:t>
-            </a:r>
-            <a:r>
-              <a:rPr lang="id-ID" sz="2800" dirty="0"/>
-              <a:t> Sebagian isi pesan, karena membutuhkan waktu yang lebih cepat. Blok yang akan dienkripsi akan dibuat dengan pola tertentu. </a:t>
-            </a:r>
-            <a:endParaRPr lang="id-ID" sz="2800" dirty="0" smtClean="0"/>
+              <a:t>	Menggunakan AES, dengan mode operasi CBC, karena key nya berubah-ubah pada setiap round, sehingga pada setiap round tidak ada pola tertentu. Hal ini membuat enkripsi menjadi lebih sulit ditebak. </a:t>
+            </a:r>
           </a:p>
         </p:txBody>
       </p:sp>
@@ -3386,7 +3393,7 @@
     </p:spTree>
     <p:extLst>
       <p:ext uri="{BB962C8B-B14F-4D97-AF65-F5344CB8AC3E}">
-        <p14:creationId xmlns:p14="http://schemas.microsoft.com/office/powerpoint/2010/main" val="3068210229"/>
+        <p14:creationId xmlns:p14="http://schemas.microsoft.com/office/powerpoint/2010/main" val="2628406448"/>
       </p:ext>
     </p:extLst>
   </p:cSld>
@@ -3437,6 +3444,129 @@
           <a:p>
             <a:pPr marL="571500" indent="-457200" algn="just">
               <a:buFont typeface="+mj-lt"/>
+              <a:buAutoNum type="arabicPeriod" startAt="2"/>
+            </a:pPr>
+            <a:r>
+              <a:rPr lang="id-ID" sz="2000" dirty="0" smtClean="0"/>
+              <a:t> </a:t>
+            </a:r>
+            <a:r>
+              <a:rPr lang="id-ID" sz="2000" dirty="0"/>
+              <a:t>Apa saja yang mau dienkripsi (keseluruhan isi pesan, sebagian saja, atau yang lain)</a:t>
+            </a:r>
+            <a:r>
+              <a:rPr lang="id-ID" sz="2000" dirty="0" smtClean="0"/>
+              <a:t>.</a:t>
+            </a:r>
+          </a:p>
+          <a:p>
+            <a:pPr marL="411480" lvl="1" indent="0" algn="just">
+              <a:buNone/>
+            </a:pPr>
+            <a:r>
+              <a:rPr lang="id-ID" dirty="0" smtClean="0"/>
+              <a:t>Jawaban :</a:t>
+            </a:r>
+            <a:endParaRPr lang="id-ID" dirty="0"/>
+          </a:p>
+          <a:p>
+            <a:pPr marL="411480" lvl="1" indent="0" algn="just">
+              <a:buNone/>
+            </a:pPr>
+            <a:r>
+              <a:rPr lang="id-ID" sz="2800" dirty="0" smtClean="0"/>
+              <a:t>	</a:t>
+            </a:r>
+            <a:r>
+              <a:rPr lang="id-ID" sz="2800" dirty="0"/>
+              <a:t> Sebagian isi pesan, karena membutuhkan waktu yang lebih cepat. Blok yang akan dienkripsi akan dibuat dengan pola tertentu. </a:t>
+            </a:r>
+            <a:endParaRPr lang="id-ID" sz="2800" dirty="0" smtClean="0"/>
+          </a:p>
+        </p:txBody>
+      </p:sp>
+      <p:sp>
+        <p:nvSpPr>
+          <p:cNvPr id="4" name="Title 1"/>
+          <p:cNvSpPr>
+            <a:spLocks noGrp="1"/>
+          </p:cNvSpPr>
+          <p:nvPr>
+            <p:ph type="title"/>
+          </p:nvPr>
+        </p:nvSpPr>
+        <p:spPr>
+          <a:xfrm>
+            <a:off x="457200" y="274638"/>
+            <a:ext cx="7620000" cy="1143000"/>
+          </a:xfrm>
+        </p:spPr>
+        <p:txBody>
+          <a:bodyPr/>
+          <a:lstStyle/>
+          <a:p>
+            <a:r>
+              <a:rPr lang="id-ID" sz="4400" dirty="0" smtClean="0"/>
+              <a:t>DISKUSI KEAMANAN CHATTING</a:t>
+            </a:r>
+            <a:endParaRPr lang="id-ID" sz="4400" dirty="0"/>
+          </a:p>
+        </p:txBody>
+      </p:sp>
+    </p:spTree>
+    <p:extLst>
+      <p:ext uri="{BB962C8B-B14F-4D97-AF65-F5344CB8AC3E}">
+        <p14:creationId xmlns:p14="http://schemas.microsoft.com/office/powerpoint/2010/main" val="3068210229"/>
+      </p:ext>
+    </p:extLst>
+  </p:cSld>
+  <p:clrMapOvr>
+    <a:masterClrMapping/>
+  </p:clrMapOvr>
+</p:sld>
+</file>
+
+<file path=ppt/slides/slide12.xml><?xml version="1.0" encoding="utf-8"?>
+<p:sld xmlns:a="http://schemas.openxmlformats.org/drawingml/2006/main" xmlns:r="http://schemas.openxmlformats.org/officeDocument/2006/relationships" xmlns:p="http://schemas.openxmlformats.org/presentationml/2006/main">
+  <p:cSld>
+    <p:spTree>
+      <p:nvGrpSpPr>
+        <p:cNvPr id="1" name=""/>
+        <p:cNvGrpSpPr/>
+        <p:nvPr/>
+      </p:nvGrpSpPr>
+      <p:grpSpPr>
+        <a:xfrm>
+          <a:off x="0" y="0"/>
+          <a:ext cx="0" cy="0"/>
+          <a:chOff x="0" y="0"/>
+          <a:chExt cx="0" cy="0"/>
+        </a:xfrm>
+      </p:grpSpPr>
+      <p:sp>
+        <p:nvSpPr>
+          <p:cNvPr id="3" name="Content Placeholder 2"/>
+          <p:cNvSpPr>
+            <a:spLocks noGrp="1"/>
+          </p:cNvSpPr>
+          <p:nvPr>
+            <p:ph idx="1"/>
+          </p:nvPr>
+        </p:nvSpPr>
+        <p:spPr>
+          <a:xfrm>
+            <a:off x="457200" y="1196752"/>
+            <a:ext cx="7620000" cy="4800600"/>
+          </a:xfrm>
+        </p:spPr>
+        <p:txBody>
+          <a:bodyPr>
+            <a:normAutofit/>
+          </a:bodyPr>
+          <a:lstStyle/>
+          <a:p>
+            <a:pPr marL="571500" indent="-457200" algn="just">
+              <a:buFont typeface="+mj-lt"/>
               <a:buAutoNum type="arabicPeriod" startAt="3"/>
             </a:pPr>
             <a:r>
@@ -3539,6 +3669,405 @@
 </file>
 
 <file path=ppt/slides/slide2.xml><?xml version="1.0" encoding="utf-8"?>
+<p:sld xmlns:a="http://schemas.openxmlformats.org/drawingml/2006/main" xmlns:r="http://schemas.openxmlformats.org/officeDocument/2006/relationships" xmlns:p="http://schemas.openxmlformats.org/presentationml/2006/main">
+  <p:cSld>
+    <p:spTree>
+      <p:nvGrpSpPr>
+        <p:cNvPr id="1" name=""/>
+        <p:cNvGrpSpPr/>
+        <p:nvPr/>
+      </p:nvGrpSpPr>
+      <p:grpSpPr>
+        <a:xfrm>
+          <a:off x="0" y="0"/>
+          <a:ext cx="0" cy="0"/>
+          <a:chOff x="0" y="0"/>
+          <a:chExt cx="0" cy="0"/>
+        </a:xfrm>
+      </p:grpSpPr>
+      <p:sp>
+        <p:nvSpPr>
+          <p:cNvPr id="2" name="Title 1"/>
+          <p:cNvSpPr>
+            <a:spLocks noGrp="1"/>
+          </p:cNvSpPr>
+          <p:nvPr>
+            <p:ph type="title"/>
+          </p:nvPr>
+        </p:nvSpPr>
+        <p:spPr/>
+        <p:txBody>
+          <a:bodyPr/>
+          <a:lstStyle/>
+          <a:p>
+            <a:r>
+              <a:rPr lang="en-US" dirty="0" err="1" smtClean="0"/>
+              <a:t>Pendefinisian</a:t>
+            </a:r>
+            <a:r>
+              <a:rPr lang="en-US" dirty="0" smtClean="0"/>
+              <a:t> </a:t>
+            </a:r>
+            <a:r>
+              <a:rPr lang="en-US" dirty="0" err="1" smtClean="0"/>
+              <a:t>Sistem</a:t>
+            </a:r>
+            <a:endParaRPr lang="en-US" dirty="0"/>
+          </a:p>
+        </p:txBody>
+      </p:sp>
+      <p:sp>
+        <p:nvSpPr>
+          <p:cNvPr id="3" name="Content Placeholder 2"/>
+          <p:cNvSpPr>
+            <a:spLocks noGrp="1"/>
+          </p:cNvSpPr>
+          <p:nvPr>
+            <p:ph idx="1"/>
+          </p:nvPr>
+        </p:nvSpPr>
+        <p:spPr/>
+        <p:txBody>
+          <a:bodyPr/>
+          <a:lstStyle/>
+          <a:p>
+            <a:r>
+              <a:rPr lang="en-US" dirty="0" err="1" smtClean="0"/>
+              <a:t>Setiap</a:t>
+            </a:r>
+            <a:r>
+              <a:rPr lang="en-US" dirty="0" smtClean="0"/>
+              <a:t> client </a:t>
+            </a:r>
+            <a:r>
+              <a:rPr lang="en-US" dirty="0" err="1" smtClean="0"/>
+              <a:t>memiliki</a:t>
+            </a:r>
+            <a:r>
+              <a:rPr lang="en-US" dirty="0" smtClean="0"/>
+              <a:t> </a:t>
+            </a:r>
+            <a:r>
+              <a:rPr lang="en-US" dirty="0" err="1" smtClean="0"/>
+              <a:t>masing-masing</a:t>
+            </a:r>
+            <a:r>
+              <a:rPr lang="en-US" dirty="0" smtClean="0"/>
+              <a:t> thread</a:t>
+            </a:r>
+          </a:p>
+          <a:p>
+            <a:r>
+              <a:rPr lang="en-US" dirty="0" err="1" smtClean="0"/>
+              <a:t>Terdapat</a:t>
+            </a:r>
+            <a:r>
+              <a:rPr lang="en-US" dirty="0" smtClean="0"/>
+              <a:t> </a:t>
+            </a:r>
+            <a:r>
+              <a:rPr lang="en-US" dirty="0" err="1" smtClean="0"/>
+              <a:t>protokol</a:t>
+            </a:r>
+            <a:r>
+              <a:rPr lang="en-US" dirty="0" smtClean="0"/>
+              <a:t> </a:t>
+            </a:r>
+            <a:r>
+              <a:rPr lang="en-US" dirty="0" err="1" smtClean="0"/>
+              <a:t>dan</a:t>
+            </a:r>
+            <a:r>
+              <a:rPr lang="en-US" dirty="0" smtClean="0"/>
+              <a:t> </a:t>
+            </a:r>
+            <a:r>
+              <a:rPr lang="en-US" dirty="0" err="1" smtClean="0"/>
+              <a:t>fungsi</a:t>
+            </a:r>
+            <a:r>
+              <a:rPr lang="en-US" dirty="0" smtClean="0"/>
+              <a:t> </a:t>
+            </a:r>
+            <a:r>
+              <a:rPr lang="en-US" dirty="0" err="1" smtClean="0"/>
+              <a:t>pemecah</a:t>
+            </a:r>
+            <a:r>
+              <a:rPr lang="en-US" dirty="0" smtClean="0"/>
+              <a:t> </a:t>
+            </a:r>
+            <a:r>
+              <a:rPr lang="en-US" dirty="0" err="1" smtClean="0"/>
+              <a:t>protokolnya</a:t>
+            </a:r>
+            <a:endParaRPr lang="en-US" dirty="0" smtClean="0"/>
+          </a:p>
+          <a:p>
+            <a:r>
+              <a:rPr lang="en-US" dirty="0" err="1" smtClean="0"/>
+              <a:t>Ketika</a:t>
+            </a:r>
+            <a:r>
+              <a:rPr lang="en-US" dirty="0" smtClean="0"/>
+              <a:t> </a:t>
+            </a:r>
+            <a:r>
+              <a:rPr lang="en-US" dirty="0" err="1" smtClean="0"/>
+              <a:t>aplikasi</a:t>
+            </a:r>
+            <a:r>
+              <a:rPr lang="en-US" dirty="0" smtClean="0"/>
+              <a:t> client </a:t>
+            </a:r>
+            <a:r>
+              <a:rPr lang="en-US" dirty="0" err="1" smtClean="0"/>
+              <a:t>menyala</a:t>
+            </a:r>
+            <a:r>
+              <a:rPr lang="en-US" dirty="0" smtClean="0"/>
+              <a:t>, </a:t>
+            </a:r>
+            <a:r>
+              <a:rPr lang="en-US" dirty="0" err="1" smtClean="0"/>
+              <a:t>langsung</a:t>
+            </a:r>
+            <a:r>
+              <a:rPr lang="en-US" dirty="0" smtClean="0"/>
+              <a:t> </a:t>
+            </a:r>
+            <a:r>
+              <a:rPr lang="en-US" dirty="0" err="1" smtClean="0"/>
+              <a:t>terhubung</a:t>
+            </a:r>
+            <a:r>
+              <a:rPr lang="en-US" dirty="0" smtClean="0"/>
+              <a:t> </a:t>
+            </a:r>
+            <a:r>
+              <a:rPr lang="en-US" dirty="0" err="1" smtClean="0"/>
+              <a:t>ke</a:t>
+            </a:r>
+            <a:r>
+              <a:rPr lang="en-US" dirty="0" smtClean="0"/>
+              <a:t> server </a:t>
+            </a:r>
+            <a:r>
+              <a:rPr lang="en-US" dirty="0" err="1" smtClean="0"/>
+              <a:t>dan</a:t>
+            </a:r>
+            <a:r>
+              <a:rPr lang="en-US" dirty="0" smtClean="0"/>
+              <a:t> </a:t>
+            </a:r>
+            <a:r>
+              <a:rPr lang="en-US" dirty="0" err="1" smtClean="0"/>
+              <a:t>dibuat</a:t>
+            </a:r>
+            <a:r>
+              <a:rPr lang="en-US" dirty="0" smtClean="0"/>
+              <a:t> thread</a:t>
+            </a:r>
+          </a:p>
+          <a:p>
+            <a:r>
+              <a:rPr lang="en-US" dirty="0" err="1" smtClean="0"/>
+              <a:t>Ketika</a:t>
+            </a:r>
+            <a:r>
+              <a:rPr lang="en-US" dirty="0" smtClean="0"/>
+              <a:t> </a:t>
+            </a:r>
+            <a:r>
+              <a:rPr lang="en-US" dirty="0" err="1" smtClean="0"/>
+              <a:t>aplikasi</a:t>
+            </a:r>
+            <a:r>
+              <a:rPr lang="en-US" dirty="0" smtClean="0"/>
+              <a:t> client closing, </a:t>
+            </a:r>
+            <a:r>
+              <a:rPr lang="en-US" dirty="0" err="1" smtClean="0"/>
+              <a:t>maka</a:t>
+            </a:r>
+            <a:r>
+              <a:rPr lang="en-US" dirty="0" smtClean="0"/>
+              <a:t> </a:t>
+            </a:r>
+            <a:r>
+              <a:rPr lang="en-US" dirty="0" err="1" smtClean="0"/>
+              <a:t>ada</a:t>
+            </a:r>
+            <a:r>
+              <a:rPr lang="en-US" dirty="0" smtClean="0"/>
+              <a:t> </a:t>
+            </a:r>
+            <a:r>
+              <a:rPr lang="en-US" dirty="0" err="1" smtClean="0"/>
+              <a:t>informasi</a:t>
+            </a:r>
+            <a:r>
+              <a:rPr lang="en-US" dirty="0" smtClean="0"/>
+              <a:t> </a:t>
+            </a:r>
+            <a:r>
+              <a:rPr lang="en-US" dirty="0" err="1" smtClean="0"/>
+              <a:t>ke</a:t>
+            </a:r>
+            <a:r>
+              <a:rPr lang="en-US" dirty="0" smtClean="0"/>
+              <a:t> server (</a:t>
+            </a:r>
+            <a:r>
+              <a:rPr lang="en-US" dirty="0" err="1" smtClean="0"/>
+              <a:t>belum</a:t>
+            </a:r>
+            <a:r>
+              <a:rPr lang="en-US" dirty="0"/>
+              <a:t> </a:t>
+            </a:r>
+            <a:r>
+              <a:rPr lang="en-US" dirty="0" err="1" smtClean="0"/>
+              <a:t>diimplementasi</a:t>
+            </a:r>
+            <a:r>
+              <a:rPr lang="en-US" dirty="0" smtClean="0"/>
+              <a:t>)</a:t>
+            </a:r>
+          </a:p>
+          <a:p>
+            <a:r>
+              <a:rPr lang="en-US" dirty="0" err="1" smtClean="0"/>
+              <a:t>Ketika</a:t>
+            </a:r>
+            <a:r>
+              <a:rPr lang="en-US" dirty="0" smtClean="0"/>
+              <a:t> </a:t>
+            </a:r>
+            <a:r>
+              <a:rPr lang="en-US" dirty="0" err="1" smtClean="0"/>
+              <a:t>aplikasi</a:t>
+            </a:r>
+            <a:r>
+              <a:rPr lang="en-US" dirty="0" smtClean="0"/>
+              <a:t> client closing </a:t>
+            </a:r>
+            <a:r>
+              <a:rPr lang="en-US" dirty="0" err="1" smtClean="0"/>
+              <a:t>tiba-tiba</a:t>
+            </a:r>
+            <a:r>
+              <a:rPr lang="en-US" dirty="0" smtClean="0"/>
+              <a:t> (Alt+F4), </a:t>
+            </a:r>
+            <a:r>
+              <a:rPr lang="en-US" dirty="0" err="1" smtClean="0"/>
+              <a:t>maka</a:t>
+            </a:r>
+            <a:r>
+              <a:rPr lang="en-US" dirty="0" smtClean="0"/>
+              <a:t> </a:t>
+            </a:r>
+            <a:r>
+              <a:rPr lang="en-US" dirty="0" err="1" smtClean="0"/>
+              <a:t>ada</a:t>
+            </a:r>
+            <a:r>
+              <a:rPr lang="en-US" dirty="0" smtClean="0"/>
+              <a:t> session </a:t>
+            </a:r>
+            <a:r>
+              <a:rPr lang="en-US" dirty="0" err="1" smtClean="0"/>
+              <a:t>untuk</a:t>
+            </a:r>
+            <a:r>
+              <a:rPr lang="en-US" dirty="0" smtClean="0"/>
+              <a:t> </a:t>
+            </a:r>
+            <a:r>
+              <a:rPr lang="en-US" dirty="0" err="1" smtClean="0"/>
+              <a:t>mengecek</a:t>
+            </a:r>
+            <a:r>
+              <a:rPr lang="en-US" dirty="0" smtClean="0"/>
+              <a:t> client (</a:t>
+            </a:r>
+            <a:r>
+              <a:rPr lang="en-US" dirty="0" err="1" smtClean="0"/>
+              <a:t>belum</a:t>
+            </a:r>
+            <a:r>
+              <a:rPr lang="en-US" dirty="0" smtClean="0"/>
+              <a:t> </a:t>
+            </a:r>
+            <a:r>
+              <a:rPr lang="en-US" dirty="0" err="1" smtClean="0"/>
+              <a:t>diimplementasi</a:t>
+            </a:r>
+            <a:r>
+              <a:rPr lang="en-US" dirty="0" smtClean="0"/>
+              <a:t>)</a:t>
+            </a:r>
+          </a:p>
+          <a:p>
+            <a:r>
+              <a:rPr lang="en-US" dirty="0" err="1" smtClean="0"/>
+              <a:t>Ketika</a:t>
+            </a:r>
+            <a:r>
+              <a:rPr lang="en-US" dirty="0" smtClean="0"/>
+              <a:t> logout, </a:t>
+            </a:r>
+            <a:r>
+              <a:rPr lang="en-US" smtClean="0"/>
+              <a:t>thread client </a:t>
+            </a:r>
+            <a:r>
+              <a:rPr lang="en-US" dirty="0" err="1" smtClean="0"/>
+              <a:t>akan</a:t>
+            </a:r>
+            <a:r>
+              <a:rPr lang="en-US" dirty="0" smtClean="0"/>
+              <a:t> </a:t>
+            </a:r>
+            <a:r>
+              <a:rPr lang="en-US" dirty="0" err="1" smtClean="0"/>
+              <a:t>dihapus</a:t>
+            </a:r>
+            <a:r>
+              <a:rPr lang="en-US" dirty="0" smtClean="0"/>
+              <a:t> (kill)</a:t>
+            </a:r>
+          </a:p>
+          <a:p>
+            <a:endParaRPr lang="en-US" dirty="0" smtClean="0"/>
+          </a:p>
+          <a:p>
+            <a:endParaRPr lang="en-US" dirty="0"/>
+          </a:p>
+        </p:txBody>
+      </p:sp>
+    </p:spTree>
+    <p:extLst>
+      <p:ext uri="{BB962C8B-B14F-4D97-AF65-F5344CB8AC3E}">
+        <p14:creationId xmlns:p14="http://schemas.microsoft.com/office/powerpoint/2010/main" val="255676490"/>
+      </p:ext>
+    </p:extLst>
+  </p:cSld>
+  <p:clrMapOvr>
+    <a:masterClrMapping/>
+  </p:clrMapOvr>
+  <p:timing>
+    <p:tnLst>
+      <p:par>
+        <p:cTn id="1" dur="indefinite" restart="never" nodeType="tmRoot"/>
+      </p:par>
+    </p:tnLst>
+  </p:timing>
+</p:sld>
+</file>
+
+<file path=ppt/slides/slide3.xml><?xml version="1.0" encoding="utf-8"?>
 <p:sld xmlns:a="http://schemas.openxmlformats.org/drawingml/2006/main" xmlns:r="http://schemas.openxmlformats.org/officeDocument/2006/relationships" xmlns:p="http://schemas.openxmlformats.org/presentationml/2006/main">
   <p:cSld>
     <p:spTree>
@@ -4570,10 +5099,17 @@
   <p:clrMapOvr>
     <a:masterClrMapping/>
   </p:clrMapOvr>
+  <p:timing>
+    <p:tnLst>
+      <p:par>
+        <p:cTn id="1" dur="indefinite" restart="never" nodeType="tmRoot"/>
+      </p:par>
+    </p:tnLst>
+  </p:timing>
 </p:sld>
 </file>
 
-<file path=ppt/slides/slide3.xml><?xml version="1.0" encoding="utf-8"?>
+<file path=ppt/slides/slide4.xml><?xml version="1.0" encoding="utf-8"?>
 <p:sld xmlns:a="http://schemas.openxmlformats.org/drawingml/2006/main" xmlns:r="http://schemas.openxmlformats.org/officeDocument/2006/relationships" xmlns:p="http://schemas.openxmlformats.org/presentationml/2006/main">
   <p:cSld>
     <p:spTree>
@@ -5617,10 +6153,17 @@
   <p:clrMapOvr>
     <a:masterClrMapping/>
   </p:clrMapOvr>
+  <p:timing>
+    <p:tnLst>
+      <p:par>
+        <p:cTn id="1" dur="indefinite" restart="never" nodeType="tmRoot"/>
+      </p:par>
+    </p:tnLst>
+  </p:timing>
 </p:sld>
 </file>
 
-<file path=ppt/slides/slide4.xml><?xml version="1.0" encoding="utf-8"?>
+<file path=ppt/slides/slide5.xml><?xml version="1.0" encoding="utf-8"?>
 <p:sld xmlns:a="http://schemas.openxmlformats.org/drawingml/2006/main" xmlns:r="http://schemas.openxmlformats.org/officeDocument/2006/relationships" xmlns:p="http://schemas.openxmlformats.org/presentationml/2006/main">
   <p:cSld>
     <p:spTree>
@@ -6664,10 +7207,17 @@
   <p:clrMapOvr>
     <a:masterClrMapping/>
   </p:clrMapOvr>
+  <p:timing>
+    <p:tnLst>
+      <p:par>
+        <p:cTn id="1" dur="indefinite" restart="never" nodeType="tmRoot"/>
+      </p:par>
+    </p:tnLst>
+  </p:timing>
 </p:sld>
 </file>
 
-<file path=ppt/slides/slide5.xml><?xml version="1.0" encoding="utf-8"?>
+<file path=ppt/slides/slide6.xml><?xml version="1.0" encoding="utf-8"?>
 <p:sld xmlns:a="http://schemas.openxmlformats.org/drawingml/2006/main" xmlns:r="http://schemas.openxmlformats.org/officeDocument/2006/relationships" xmlns:p="http://schemas.openxmlformats.org/presentationml/2006/main">
   <p:cSld>
     <p:spTree>
@@ -6717,7 +7267,7 @@
             <p:ph idx="1"/>
             <p:extLst>
               <p:ext uri="{D42A27DB-BD31-4B8C-83A1-F6EECF244321}">
-                <p14:modId xmlns:p14="http://schemas.microsoft.com/office/powerpoint/2010/main" val="1848438166"/>
+                <p14:modId xmlns:p14="http://schemas.microsoft.com/office/powerpoint/2010/main" val="391076356"/>
               </p:ext>
             </p:extLst>
           </p:nvPr>
@@ -6891,7 +7441,25 @@
                         <a:rPr lang="id-ID" sz="1400" b="1" dirty="0" smtClean="0">
                           <a:effectLst/>
                         </a:rPr>
-                        <a:t>HAT:VARIS:FADRI:MESSAGE:SESSION:a</a:t>
+                        <a:t>HAT:VARIS:FADRI:</a:t>
+                      </a:r>
+                      <a:r>
+                        <a:rPr lang="en-US" sz="1400" b="1" dirty="0" smtClean="0">
+                          <a:effectLst/>
+                        </a:rPr>
+                        <a:t>Hi</a:t>
+                      </a:r>
+                      <a:r>
+                        <a:rPr lang="en-US" sz="1400" b="1" baseline="0" dirty="0" smtClean="0">
+                          <a:effectLst/>
+                        </a:rPr>
+                        <a:t> FADRI…</a:t>
+                      </a:r>
+                      <a:r>
+                        <a:rPr lang="id-ID" sz="1400" b="1" dirty="0" smtClean="0">
+                          <a:effectLst/>
+                        </a:rPr>
+                        <a:t>:SESSION:a</a:t>
                       </a:r>
                       <a:r>
                         <a:rPr lang="en-US" sz="1400" b="1" dirty="0" smtClean="0">
@@ -6932,7 +7500,7 @@
                         </a:spcAft>
                       </a:pPr>
                       <a:r>
-                        <a:rPr lang="en-US" sz="1100" dirty="0">
+                        <a:rPr lang="en-US" sz="1100" dirty="0" smtClean="0">
                           <a:effectLst/>
                         </a:rPr>
                         <a:t> </a:t>
@@ -7391,14 +7959,14 @@
           <p:nvPr>
             <p:extLst>
               <p:ext uri="{D42A27DB-BD31-4B8C-83A1-F6EECF244321}">
-                <p14:modId xmlns:p14="http://schemas.microsoft.com/office/powerpoint/2010/main" val="2060782788"/>
+                <p14:modId xmlns:p14="http://schemas.microsoft.com/office/powerpoint/2010/main" val="3445519761"/>
               </p:ext>
             </p:extLst>
           </p:nvPr>
         </p:nvGraphicFramePr>
         <p:xfrm>
           <a:off x="827583" y="4437112"/>
-          <a:ext cx="7593435" cy="593408"/>
+          <a:ext cx="7593435" cy="583311"/>
         </p:xfrm>
         <a:graphic>
           <a:graphicData uri="http://schemas.openxmlformats.org/drawingml/2006/table">
@@ -7571,7 +8139,19 @@
                         <a:rPr lang="id-ID" sz="1400" b="1" dirty="0" smtClean="0">
                           <a:effectLst/>
                         </a:rPr>
-                        <a:t>HAT:!&gt;”</a:t>
+                        <a:t>HAT:</a:t>
+                      </a:r>
+                      <a:r>
+                        <a:rPr lang="en-US" sz="1400" b="1" dirty="0" smtClean="0">
+                          <a:effectLst/>
+                        </a:rPr>
+                        <a:t>VARIS</a:t>
+                      </a:r>
+                      <a:r>
+                        <a:rPr lang="id-ID" sz="1400" b="1" dirty="0" smtClean="0">
+                          <a:effectLst/>
+                        </a:rPr>
+                        <a:t>!&gt;”</a:t>
                       </a:r>
                       <a:endParaRPr lang="id-ID" sz="1400" b="1" dirty="0">
                         <a:solidFill>
@@ -7680,10 +8260,17 @@
   <p:clrMapOvr>
     <a:masterClrMapping/>
   </p:clrMapOvr>
+  <p:timing>
+    <p:tnLst>
+      <p:par>
+        <p:cTn id="1" dur="indefinite" restart="never" nodeType="tmRoot"/>
+      </p:par>
+    </p:tnLst>
+  </p:timing>
 </p:sld>
 </file>
 
-<file path=ppt/slides/slide6.xml><?xml version="1.0" encoding="utf-8"?>
+<file path=ppt/slides/slide7.xml><?xml version="1.0" encoding="utf-8"?>
 <p:sld xmlns:a="http://schemas.openxmlformats.org/drawingml/2006/main" xmlns:r="http://schemas.openxmlformats.org/officeDocument/2006/relationships" xmlns:p="http://schemas.openxmlformats.org/presentationml/2006/main">
   <p:cSld>
     <p:spTree>
@@ -8045,10 +8632,17 @@
   <p:clrMapOvr>
     <a:masterClrMapping/>
   </p:clrMapOvr>
+  <p:timing>
+    <p:tnLst>
+      <p:par>
+        <p:cTn id="1" dur="indefinite" restart="never" nodeType="tmRoot"/>
+      </p:par>
+    </p:tnLst>
+  </p:timing>
 </p:sld>
 </file>
 
-<file path=ppt/slides/slide7.xml><?xml version="1.0" encoding="utf-8"?>
+<file path=ppt/slides/slide8.xml><?xml version="1.0" encoding="utf-8"?>
 <p:sld xmlns:a="http://schemas.openxmlformats.org/drawingml/2006/main" xmlns:r="http://schemas.openxmlformats.org/officeDocument/2006/relationships" xmlns:p="http://schemas.openxmlformats.org/presentationml/2006/main">
   <p:cSld>
     <p:spTree>
@@ -9059,112 +9653,6 @@
 </p:sld>
 </file>
 
-<file path=ppt/slides/slide8.xml><?xml version="1.0" encoding="utf-8"?>
-<p:sld xmlns:a="http://schemas.openxmlformats.org/drawingml/2006/main" xmlns:r="http://schemas.openxmlformats.org/officeDocument/2006/relationships" xmlns:p="http://schemas.openxmlformats.org/presentationml/2006/main">
-  <p:cSld>
-    <p:spTree>
-      <p:nvGrpSpPr>
-        <p:cNvPr id="1" name=""/>
-        <p:cNvGrpSpPr/>
-        <p:nvPr/>
-      </p:nvGrpSpPr>
-      <p:grpSpPr>
-        <a:xfrm>
-          <a:off x="0" y="0"/>
-          <a:ext cx="0" cy="0"/>
-          <a:chOff x="0" y="0"/>
-          <a:chExt cx="0" cy="0"/>
-        </a:xfrm>
-      </p:grpSpPr>
-      <p:sp>
-        <p:nvSpPr>
-          <p:cNvPr id="2" name="Title 1"/>
-          <p:cNvSpPr>
-            <a:spLocks noGrp="1"/>
-          </p:cNvSpPr>
-          <p:nvPr>
-            <p:ph type="title"/>
-          </p:nvPr>
-        </p:nvSpPr>
-        <p:spPr/>
-        <p:txBody>
-          <a:bodyPr/>
-          <a:lstStyle/>
-          <a:p>
-            <a:r>
-              <a:rPr lang="id-ID" sz="4400" dirty="0" smtClean="0"/>
-              <a:t>DISKUSI KEAMANAN CHATTING</a:t>
-            </a:r>
-            <a:endParaRPr lang="id-ID" sz="4400" dirty="0"/>
-          </a:p>
-        </p:txBody>
-      </p:sp>
-      <p:sp>
-        <p:nvSpPr>
-          <p:cNvPr id="3" name="Content Placeholder 2"/>
-          <p:cNvSpPr>
-            <a:spLocks noGrp="1"/>
-          </p:cNvSpPr>
-          <p:nvPr>
-            <p:ph idx="1"/>
-          </p:nvPr>
-        </p:nvSpPr>
-        <p:spPr/>
-        <p:txBody>
-          <a:bodyPr/>
-          <a:lstStyle/>
-          <a:p>
-            <a:r>
-              <a:rPr lang="id-ID" dirty="0" smtClean="0"/>
-              <a:t>Pengiriman data antara server dan klien di enkripsi.</a:t>
-            </a:r>
-          </a:p>
-          <a:p>
-            <a:r>
-              <a:rPr lang="id-ID" dirty="0" smtClean="0"/>
-              <a:t>Pembuatan Session Key untuk koneksi aktif server dan klien.</a:t>
-            </a:r>
-          </a:p>
-          <a:p>
-            <a:r>
-              <a:rPr lang="id-ID" dirty="0" smtClean="0"/>
-              <a:t>Hentikan </a:t>
-            </a:r>
-            <a:r>
-              <a:rPr lang="id-ID" smtClean="0"/>
-              <a:t>koneksi </a:t>
-            </a:r>
-            <a:r>
-              <a:rPr lang="id-ID" smtClean="0"/>
-              <a:t>antara </a:t>
-            </a:r>
-            <a:r>
-              <a:rPr lang="id-ID" dirty="0" smtClean="0"/>
-              <a:t>server dan klien saat kadaluarsa.</a:t>
-            </a:r>
-          </a:p>
-          <a:p>
-            <a:r>
-              <a:rPr lang="id-ID" dirty="0" smtClean="0"/>
-              <a:t>Menggunakan metode Public Key Cryptography</a:t>
-            </a:r>
-            <a:endParaRPr lang="id-ID" dirty="0"/>
-          </a:p>
-        </p:txBody>
-      </p:sp>
-    </p:spTree>
-    <p:extLst>
-      <p:ext uri="{BB962C8B-B14F-4D97-AF65-F5344CB8AC3E}">
-        <p14:creationId xmlns:p14="http://schemas.microsoft.com/office/powerpoint/2010/main" val="539839096"/>
-      </p:ext>
-    </p:extLst>
-  </p:cSld>
-  <p:clrMapOvr>
-    <a:masterClrMapping/>
-  </p:clrMapOvr>
-</p:sld>
-</file>
-
 <file path=ppt/slides/slide9.xml><?xml version="1.0" encoding="utf-8"?>
 <p:sld xmlns:a="http://schemas.openxmlformats.org/drawingml/2006/main" xmlns:r="http://schemas.openxmlformats.org/officeDocument/2006/relationships" xmlns:p="http://schemas.openxmlformats.org/presentationml/2006/main">
   <p:cSld>
@@ -9184,6 +9672,29 @@
       </p:grpSpPr>
       <p:sp>
         <p:nvSpPr>
+          <p:cNvPr id="2" name="Title 1"/>
+          <p:cNvSpPr>
+            <a:spLocks noGrp="1"/>
+          </p:cNvSpPr>
+          <p:nvPr>
+            <p:ph type="title"/>
+          </p:nvPr>
+        </p:nvSpPr>
+        <p:spPr/>
+        <p:txBody>
+          <a:bodyPr/>
+          <a:lstStyle/>
+          <a:p>
+            <a:r>
+              <a:rPr lang="id-ID" sz="4400" dirty="0" smtClean="0"/>
+              <a:t>DISKUSI KEAMANAN CHATTING</a:t>
+            </a:r>
+            <a:endParaRPr lang="id-ID" sz="4400" dirty="0"/>
+          </a:p>
+        </p:txBody>
+      </p:sp>
+      <p:sp>
+        <p:nvSpPr>
           <p:cNvPr id="3" name="Content Placeholder 2"/>
           <p:cNvSpPr>
             <a:spLocks noGrp="1"/>
@@ -9192,80 +9703,49 @@
             <p:ph idx="1"/>
           </p:nvPr>
         </p:nvSpPr>
-        <p:spPr>
-          <a:xfrm>
-            <a:off x="457200" y="1196752"/>
-            <a:ext cx="7620000" cy="4800600"/>
-          </a:xfrm>
-        </p:spPr>
-        <p:txBody>
-          <a:bodyPr>
-            <a:normAutofit/>
-          </a:bodyPr>
-          <a:lstStyle/>
-          <a:p>
-            <a:pPr marL="571500" indent="-457200">
-              <a:buFont typeface="+mj-lt"/>
-              <a:buAutoNum type="arabicPeriod"/>
-            </a:pPr>
-            <a:r>
-              <a:rPr lang="id-ID" sz="2000" dirty="0" smtClean="0"/>
-              <a:t> Algoritma apa saja yang mau digunakan (bisa lebih dari 1). Termasuk mode operasi yang akan digunakan, jika menggunakan enkripsi blok. Jelaskan alasannya.</a:t>
-            </a:r>
-          </a:p>
-          <a:p>
-            <a:pPr marL="411480" lvl="1" indent="0">
-              <a:buNone/>
-            </a:pPr>
-            <a:r>
-              <a:rPr lang="id-ID" dirty="0" smtClean="0"/>
-              <a:t>Jawaban :</a:t>
-            </a:r>
-            <a:endParaRPr lang="id-ID" dirty="0"/>
-          </a:p>
-          <a:p>
-            <a:pPr marL="411480" lvl="1" indent="0">
-              <a:buNone/>
-            </a:pPr>
-            <a:r>
-              <a:rPr lang="id-ID" sz="2800" dirty="0" smtClean="0"/>
-              <a:t>	Menggunakan AES, dengan mode operasi CBC, karena key nya berubah-ubah pada setiap round, sehingga pada setiap round tidak ada pola tertentu. Hal ini membuat enkripsi menjadi lebih sulit ditebak. </a:t>
-            </a:r>
-          </a:p>
-        </p:txBody>
-      </p:sp>
-      <p:sp>
-        <p:nvSpPr>
-          <p:cNvPr id="4" name="Title 1"/>
-          <p:cNvSpPr>
-            <a:spLocks noGrp="1"/>
-          </p:cNvSpPr>
-          <p:nvPr>
-            <p:ph type="title"/>
-          </p:nvPr>
-        </p:nvSpPr>
-        <p:spPr>
-          <a:xfrm>
-            <a:off x="457200" y="274638"/>
-            <a:ext cx="7620000" cy="1143000"/>
-          </a:xfrm>
-        </p:spPr>
+        <p:spPr/>
         <p:txBody>
           <a:bodyPr/>
           <a:lstStyle/>
           <a:p>
             <a:r>
-              <a:rPr lang="id-ID" sz="4400" dirty="0" smtClean="0"/>
-              <a:t>DISKUSI KEAMANAN CHATTING</a:t>
-            </a:r>
-            <a:endParaRPr lang="id-ID" sz="4400" dirty="0"/>
+              <a:rPr lang="id-ID" dirty="0" smtClean="0"/>
+              <a:t>Pengiriman data antara server dan klien di enkripsi.</a:t>
+            </a:r>
+          </a:p>
+          <a:p>
+            <a:r>
+              <a:rPr lang="id-ID" dirty="0" smtClean="0"/>
+              <a:t>Pembuatan Session Key untuk koneksi aktif server dan klien.</a:t>
+            </a:r>
+          </a:p>
+          <a:p>
+            <a:r>
+              <a:rPr lang="id-ID" dirty="0" smtClean="0"/>
+              <a:t>Hentikan </a:t>
+            </a:r>
+            <a:r>
+              <a:rPr lang="id-ID" smtClean="0"/>
+              <a:t>koneksi antara </a:t>
+            </a:r>
+            <a:r>
+              <a:rPr lang="id-ID" dirty="0" smtClean="0"/>
+              <a:t>server dan klien saat kadaluarsa.</a:t>
+            </a:r>
+          </a:p>
+          <a:p>
+            <a:r>
+              <a:rPr lang="id-ID" dirty="0" smtClean="0"/>
+              <a:t>Menggunakan metode Public Key Cryptography</a:t>
+            </a:r>
+            <a:endParaRPr lang="id-ID" dirty="0"/>
           </a:p>
         </p:txBody>
       </p:sp>
     </p:spTree>
     <p:extLst>
       <p:ext uri="{BB962C8B-B14F-4D97-AF65-F5344CB8AC3E}">
-        <p14:creationId xmlns:p14="http://schemas.microsoft.com/office/powerpoint/2010/main" val="2628406448"/>
+        <p14:creationId xmlns:p14="http://schemas.microsoft.com/office/powerpoint/2010/main" val="539839096"/>
       </p:ext>
     </p:extLst>
   </p:cSld>

--- a/Presentasi.pptx
+++ b/Presentasi.pptx
@@ -4,6 +4,9 @@
   <p:sldMasterIdLst>
     <p:sldMasterId id="2147483756" r:id="rId1"/>
   </p:sldMasterIdLst>
+  <p:notesMasterIdLst>
+    <p:notesMasterId r:id="rId14"/>
+  </p:notesMasterIdLst>
   <p:sldIdLst>
     <p:sldId id="256" r:id="rId2"/>
     <p:sldId id="269" r:id="rId3"/>
@@ -132,6 +135,632 @@
     </p:ext>
   </p:extLst>
 </p:presentation>
+</file>
+
+<file path=ppt/notesMasters/notesMaster1.xml><?xml version="1.0" encoding="utf-8"?>
+<p:notesMaster xmlns:a="http://schemas.openxmlformats.org/drawingml/2006/main" xmlns:r="http://schemas.openxmlformats.org/officeDocument/2006/relationships" xmlns:p="http://schemas.openxmlformats.org/presentationml/2006/main">
+  <p:cSld>
+    <p:bg>
+      <p:bgRef idx="1001">
+        <a:schemeClr val="bg1"/>
+      </p:bgRef>
+    </p:bg>
+    <p:spTree>
+      <p:nvGrpSpPr>
+        <p:cNvPr id="1" name=""/>
+        <p:cNvGrpSpPr/>
+        <p:nvPr/>
+      </p:nvGrpSpPr>
+      <p:grpSpPr>
+        <a:xfrm>
+          <a:off x="0" y="0"/>
+          <a:ext cx="0" cy="0"/>
+          <a:chOff x="0" y="0"/>
+          <a:chExt cx="0" cy="0"/>
+        </a:xfrm>
+      </p:grpSpPr>
+      <p:sp>
+        <p:nvSpPr>
+          <p:cNvPr id="2" name="Header Placeholder 1"/>
+          <p:cNvSpPr>
+            <a:spLocks noGrp="1"/>
+          </p:cNvSpPr>
+          <p:nvPr>
+            <p:ph type="hdr" sz="quarter"/>
+          </p:nvPr>
+        </p:nvSpPr>
+        <p:spPr>
+          <a:xfrm>
+            <a:off x="0" y="0"/>
+            <a:ext cx="2971800" cy="458788"/>
+          </a:xfrm>
+          <a:prstGeom prst="rect">
+            <a:avLst/>
+          </a:prstGeom>
+        </p:spPr>
+        <p:txBody>
+          <a:bodyPr vert="horz" lIns="91440" tIns="45720" rIns="91440" bIns="45720" rtlCol="0"/>
+          <a:lstStyle>
+            <a:lvl1pPr algn="l">
+              <a:defRPr sz="1200"/>
+            </a:lvl1pPr>
+          </a:lstStyle>
+          <a:p>
+            <a:endParaRPr lang="en-US"/>
+          </a:p>
+        </p:txBody>
+      </p:sp>
+      <p:sp>
+        <p:nvSpPr>
+          <p:cNvPr id="3" name="Date Placeholder 2"/>
+          <p:cNvSpPr>
+            <a:spLocks noGrp="1"/>
+          </p:cNvSpPr>
+          <p:nvPr>
+            <p:ph type="dt" idx="1"/>
+          </p:nvPr>
+        </p:nvSpPr>
+        <p:spPr>
+          <a:xfrm>
+            <a:off x="3884613" y="0"/>
+            <a:ext cx="2971800" cy="458788"/>
+          </a:xfrm>
+          <a:prstGeom prst="rect">
+            <a:avLst/>
+          </a:prstGeom>
+        </p:spPr>
+        <p:txBody>
+          <a:bodyPr vert="horz" lIns="91440" tIns="45720" rIns="91440" bIns="45720" rtlCol="0"/>
+          <a:lstStyle>
+            <a:lvl1pPr algn="r">
+              <a:defRPr sz="1200"/>
+            </a:lvl1pPr>
+          </a:lstStyle>
+          <a:p>
+            <a:fld id="{D9CDE59F-4DC1-42B8-8BB4-5AE4F5559A0F}" type="datetimeFigureOut">
+              <a:rPr lang="en-US" smtClean="0"/>
+              <a:t>3/11/2015</a:t>
+            </a:fld>
+            <a:endParaRPr lang="en-US"/>
+          </a:p>
+        </p:txBody>
+      </p:sp>
+      <p:sp>
+        <p:nvSpPr>
+          <p:cNvPr id="4" name="Slide Image Placeholder 3"/>
+          <p:cNvSpPr>
+            <a:spLocks noGrp="1" noRot="1" noChangeAspect="1"/>
+          </p:cNvSpPr>
+          <p:nvPr>
+            <p:ph type="sldImg" idx="2"/>
+          </p:nvPr>
+        </p:nvSpPr>
+        <p:spPr>
+          <a:xfrm>
+            <a:off x="1371600" y="1143000"/>
+            <a:ext cx="4114800" cy="3086100"/>
+          </a:xfrm>
+          <a:prstGeom prst="rect">
+            <a:avLst/>
+          </a:prstGeom>
+          <a:noFill/>
+          <a:ln w="12700">
+            <a:solidFill>
+              <a:prstClr val="black"/>
+            </a:solidFill>
+          </a:ln>
+        </p:spPr>
+        <p:txBody>
+          <a:bodyPr vert="horz" lIns="91440" tIns="45720" rIns="91440" bIns="45720" rtlCol="0" anchor="ctr"/>
+          <a:lstStyle/>
+          <a:p>
+            <a:endParaRPr lang="en-US"/>
+          </a:p>
+        </p:txBody>
+      </p:sp>
+      <p:sp>
+        <p:nvSpPr>
+          <p:cNvPr id="5" name="Notes Placeholder 4"/>
+          <p:cNvSpPr>
+            <a:spLocks noGrp="1"/>
+          </p:cNvSpPr>
+          <p:nvPr>
+            <p:ph type="body" sz="quarter" idx="3"/>
+          </p:nvPr>
+        </p:nvSpPr>
+        <p:spPr>
+          <a:xfrm>
+            <a:off x="685800" y="4400550"/>
+            <a:ext cx="5486400" cy="3600450"/>
+          </a:xfrm>
+          <a:prstGeom prst="rect">
+            <a:avLst/>
+          </a:prstGeom>
+        </p:spPr>
+        <p:txBody>
+          <a:bodyPr vert="horz" lIns="91440" tIns="45720" rIns="91440" bIns="45720" rtlCol="0"/>
+          <a:lstStyle/>
+          <a:p>
+            <a:pPr lvl="0"/>
+            <a:r>
+              <a:rPr lang="en-US" smtClean="0"/>
+              <a:t>Click to edit Master text styles</a:t>
+            </a:r>
+          </a:p>
+          <a:p>
+            <a:pPr lvl="1"/>
+            <a:r>
+              <a:rPr lang="en-US" smtClean="0"/>
+              <a:t>Second level</a:t>
+            </a:r>
+          </a:p>
+          <a:p>
+            <a:pPr lvl="2"/>
+            <a:r>
+              <a:rPr lang="en-US" smtClean="0"/>
+              <a:t>Third level</a:t>
+            </a:r>
+          </a:p>
+          <a:p>
+            <a:pPr lvl="3"/>
+            <a:r>
+              <a:rPr lang="en-US" smtClean="0"/>
+              <a:t>Fourth level</a:t>
+            </a:r>
+          </a:p>
+          <a:p>
+            <a:pPr lvl="4"/>
+            <a:r>
+              <a:rPr lang="en-US" smtClean="0"/>
+              <a:t>Fifth level</a:t>
+            </a:r>
+            <a:endParaRPr lang="en-US"/>
+          </a:p>
+        </p:txBody>
+      </p:sp>
+      <p:sp>
+        <p:nvSpPr>
+          <p:cNvPr id="6" name="Footer Placeholder 5"/>
+          <p:cNvSpPr>
+            <a:spLocks noGrp="1"/>
+          </p:cNvSpPr>
+          <p:nvPr>
+            <p:ph type="ftr" sz="quarter" idx="4"/>
+          </p:nvPr>
+        </p:nvSpPr>
+        <p:spPr>
+          <a:xfrm>
+            <a:off x="0" y="8685213"/>
+            <a:ext cx="2971800" cy="458787"/>
+          </a:xfrm>
+          <a:prstGeom prst="rect">
+            <a:avLst/>
+          </a:prstGeom>
+        </p:spPr>
+        <p:txBody>
+          <a:bodyPr vert="horz" lIns="91440" tIns="45720" rIns="91440" bIns="45720" rtlCol="0" anchor="b"/>
+          <a:lstStyle>
+            <a:lvl1pPr algn="l">
+              <a:defRPr sz="1200"/>
+            </a:lvl1pPr>
+          </a:lstStyle>
+          <a:p>
+            <a:endParaRPr lang="en-US"/>
+          </a:p>
+        </p:txBody>
+      </p:sp>
+      <p:sp>
+        <p:nvSpPr>
+          <p:cNvPr id="7" name="Slide Number Placeholder 6"/>
+          <p:cNvSpPr>
+            <a:spLocks noGrp="1"/>
+          </p:cNvSpPr>
+          <p:nvPr>
+            <p:ph type="sldNum" sz="quarter" idx="5"/>
+          </p:nvPr>
+        </p:nvSpPr>
+        <p:spPr>
+          <a:xfrm>
+            <a:off x="3884613" y="8685213"/>
+            <a:ext cx="2971800" cy="458787"/>
+          </a:xfrm>
+          <a:prstGeom prst="rect">
+            <a:avLst/>
+          </a:prstGeom>
+        </p:spPr>
+        <p:txBody>
+          <a:bodyPr vert="horz" lIns="91440" tIns="45720" rIns="91440" bIns="45720" rtlCol="0" anchor="b"/>
+          <a:lstStyle>
+            <a:lvl1pPr algn="r">
+              <a:defRPr sz="1200"/>
+            </a:lvl1pPr>
+          </a:lstStyle>
+          <a:p>
+            <a:fld id="{A9F34400-F521-4503-87C5-FB6C3B55544B}" type="slidenum">
+              <a:rPr lang="en-US" smtClean="0"/>
+              <a:t>‹#›</a:t>
+            </a:fld>
+            <a:endParaRPr lang="en-US"/>
+          </a:p>
+        </p:txBody>
+      </p:sp>
+    </p:spTree>
+    <p:extLst>
+      <p:ext uri="{BB962C8B-B14F-4D97-AF65-F5344CB8AC3E}">
+        <p14:creationId xmlns:p14="http://schemas.microsoft.com/office/powerpoint/2010/main" val="1450293771"/>
+      </p:ext>
+    </p:extLst>
+  </p:cSld>
+  <p:clrMap bg1="lt1" tx1="dk1" bg2="lt2" tx2="dk2" accent1="accent1" accent2="accent2" accent3="accent3" accent4="accent4" accent5="accent5" accent6="accent6" hlink="hlink" folHlink="folHlink"/>
+  <p:notesStyle>
+    <a:lvl1pPr marL="0" algn="l" defTabSz="914400" rtl="0" eaLnBrk="1" latinLnBrk="0" hangingPunct="1">
+      <a:defRPr sz="1200" kern="1200">
+        <a:solidFill>
+          <a:schemeClr val="tx1"/>
+        </a:solidFill>
+        <a:latin typeface="+mn-lt"/>
+        <a:ea typeface="+mn-ea"/>
+        <a:cs typeface="+mn-cs"/>
+      </a:defRPr>
+    </a:lvl1pPr>
+    <a:lvl2pPr marL="457200" algn="l" defTabSz="914400" rtl="0" eaLnBrk="1" latinLnBrk="0" hangingPunct="1">
+      <a:defRPr sz="1200" kern="1200">
+        <a:solidFill>
+          <a:schemeClr val="tx1"/>
+        </a:solidFill>
+        <a:latin typeface="+mn-lt"/>
+        <a:ea typeface="+mn-ea"/>
+        <a:cs typeface="+mn-cs"/>
+      </a:defRPr>
+    </a:lvl2pPr>
+    <a:lvl3pPr marL="914400" algn="l" defTabSz="914400" rtl="0" eaLnBrk="1" latinLnBrk="0" hangingPunct="1">
+      <a:defRPr sz="1200" kern="1200">
+        <a:solidFill>
+          <a:schemeClr val="tx1"/>
+        </a:solidFill>
+        <a:latin typeface="+mn-lt"/>
+        <a:ea typeface="+mn-ea"/>
+        <a:cs typeface="+mn-cs"/>
+      </a:defRPr>
+    </a:lvl3pPr>
+    <a:lvl4pPr marL="1371600" algn="l" defTabSz="914400" rtl="0" eaLnBrk="1" latinLnBrk="0" hangingPunct="1">
+      <a:defRPr sz="1200" kern="1200">
+        <a:solidFill>
+          <a:schemeClr val="tx1"/>
+        </a:solidFill>
+        <a:latin typeface="+mn-lt"/>
+        <a:ea typeface="+mn-ea"/>
+        <a:cs typeface="+mn-cs"/>
+      </a:defRPr>
+    </a:lvl4pPr>
+    <a:lvl5pPr marL="1828800" algn="l" defTabSz="914400" rtl="0" eaLnBrk="1" latinLnBrk="0" hangingPunct="1">
+      <a:defRPr sz="1200" kern="1200">
+        <a:solidFill>
+          <a:schemeClr val="tx1"/>
+        </a:solidFill>
+        <a:latin typeface="+mn-lt"/>
+        <a:ea typeface="+mn-ea"/>
+        <a:cs typeface="+mn-cs"/>
+      </a:defRPr>
+    </a:lvl5pPr>
+    <a:lvl6pPr marL="2286000" algn="l" defTabSz="914400" rtl="0" eaLnBrk="1" latinLnBrk="0" hangingPunct="1">
+      <a:defRPr sz="1200" kern="1200">
+        <a:solidFill>
+          <a:schemeClr val="tx1"/>
+        </a:solidFill>
+        <a:latin typeface="+mn-lt"/>
+        <a:ea typeface="+mn-ea"/>
+        <a:cs typeface="+mn-cs"/>
+      </a:defRPr>
+    </a:lvl6pPr>
+    <a:lvl7pPr marL="2743200" algn="l" defTabSz="914400" rtl="0" eaLnBrk="1" latinLnBrk="0" hangingPunct="1">
+      <a:defRPr sz="1200" kern="1200">
+        <a:solidFill>
+          <a:schemeClr val="tx1"/>
+        </a:solidFill>
+        <a:latin typeface="+mn-lt"/>
+        <a:ea typeface="+mn-ea"/>
+        <a:cs typeface="+mn-cs"/>
+      </a:defRPr>
+    </a:lvl7pPr>
+    <a:lvl8pPr marL="3200400" algn="l" defTabSz="914400" rtl="0" eaLnBrk="1" latinLnBrk="0" hangingPunct="1">
+      <a:defRPr sz="1200" kern="1200">
+        <a:solidFill>
+          <a:schemeClr val="tx1"/>
+        </a:solidFill>
+        <a:latin typeface="+mn-lt"/>
+        <a:ea typeface="+mn-ea"/>
+        <a:cs typeface="+mn-cs"/>
+      </a:defRPr>
+    </a:lvl8pPr>
+    <a:lvl9pPr marL="3657600" algn="l" defTabSz="914400" rtl="0" eaLnBrk="1" latinLnBrk="0" hangingPunct="1">
+      <a:defRPr sz="1200" kern="1200">
+        <a:solidFill>
+          <a:schemeClr val="tx1"/>
+        </a:solidFill>
+        <a:latin typeface="+mn-lt"/>
+        <a:ea typeface="+mn-ea"/>
+        <a:cs typeface="+mn-cs"/>
+      </a:defRPr>
+    </a:lvl9pPr>
+  </p:notesStyle>
+</p:notesMaster>
+</file>
+
+<file path=ppt/notesSlides/notesSlide1.xml><?xml version="1.0" encoding="utf-8"?>
+<p:notes xmlns:a="http://schemas.openxmlformats.org/drawingml/2006/main" xmlns:r="http://schemas.openxmlformats.org/officeDocument/2006/relationships" xmlns:p="http://schemas.openxmlformats.org/presentationml/2006/main">
+  <p:cSld>
+    <p:spTree>
+      <p:nvGrpSpPr>
+        <p:cNvPr id="1" name=""/>
+        <p:cNvGrpSpPr/>
+        <p:nvPr/>
+      </p:nvGrpSpPr>
+      <p:grpSpPr>
+        <a:xfrm>
+          <a:off x="0" y="0"/>
+          <a:ext cx="0" cy="0"/>
+          <a:chOff x="0" y="0"/>
+          <a:chExt cx="0" cy="0"/>
+        </a:xfrm>
+      </p:grpSpPr>
+      <p:sp>
+        <p:nvSpPr>
+          <p:cNvPr id="2" name="Slide Image Placeholder 1"/>
+          <p:cNvSpPr>
+            <a:spLocks noGrp="1" noRot="1" noChangeAspect="1"/>
+          </p:cNvSpPr>
+          <p:nvPr>
+            <p:ph type="sldImg"/>
+          </p:nvPr>
+        </p:nvSpPr>
+        <p:spPr/>
+      </p:sp>
+      <p:sp>
+        <p:nvSpPr>
+          <p:cNvPr id="3" name="Notes Placeholder 2"/>
+          <p:cNvSpPr>
+            <a:spLocks noGrp="1"/>
+          </p:cNvSpPr>
+          <p:nvPr>
+            <p:ph type="body" idx="1"/>
+          </p:nvPr>
+        </p:nvSpPr>
+        <p:spPr/>
+        <p:txBody>
+          <a:bodyPr/>
+          <a:lstStyle/>
+          <a:p>
+            <a:r>
+              <a:rPr lang="en-US" sz="1200" dirty="0" smtClean="0"/>
+              <a:t>Initial key </a:t>
+            </a:r>
+            <a:r>
+              <a:rPr lang="en-US" sz="1200" dirty="0" err="1" smtClean="0"/>
+              <a:t>dibuat</a:t>
+            </a:r>
+            <a:r>
+              <a:rPr lang="en-US" sz="1200" dirty="0" smtClean="0"/>
+              <a:t> </a:t>
+            </a:r>
+            <a:r>
+              <a:rPr lang="en-US" sz="1200" dirty="0" err="1" smtClean="0"/>
+              <a:t>dengan</a:t>
+            </a:r>
+            <a:r>
+              <a:rPr lang="en-US" sz="1200" smtClean="0"/>
+              <a:t> Pseudo random.</a:t>
+            </a:r>
+            <a:endParaRPr lang="en-US"/>
+          </a:p>
+        </p:txBody>
+      </p:sp>
+      <p:sp>
+        <p:nvSpPr>
+          <p:cNvPr id="4" name="Slide Number Placeholder 3"/>
+          <p:cNvSpPr>
+            <a:spLocks noGrp="1"/>
+          </p:cNvSpPr>
+          <p:nvPr>
+            <p:ph type="sldNum" sz="quarter" idx="10"/>
+          </p:nvPr>
+        </p:nvSpPr>
+        <p:spPr/>
+        <p:txBody>
+          <a:bodyPr/>
+          <a:lstStyle/>
+          <a:p>
+            <a:fld id="{A9F34400-F521-4503-87C5-FB6C3B55544B}" type="slidenum">
+              <a:rPr lang="en-US" smtClean="0"/>
+              <a:t>10</a:t>
+            </a:fld>
+            <a:endParaRPr lang="en-US"/>
+          </a:p>
+        </p:txBody>
+      </p:sp>
+    </p:spTree>
+    <p:extLst>
+      <p:ext uri="{BB962C8B-B14F-4D97-AF65-F5344CB8AC3E}">
+        <p14:creationId xmlns:p14="http://schemas.microsoft.com/office/powerpoint/2010/main" val="3188625111"/>
+      </p:ext>
+    </p:extLst>
+  </p:cSld>
+  <p:clrMapOvr>
+    <a:masterClrMapping/>
+  </p:clrMapOvr>
+</p:notes>
+</file>
+
+<file path=ppt/notesSlides/notesSlide2.xml><?xml version="1.0" encoding="utf-8"?>
+<p:notes xmlns:a="http://schemas.openxmlformats.org/drawingml/2006/main" xmlns:r="http://schemas.openxmlformats.org/officeDocument/2006/relationships" xmlns:p="http://schemas.openxmlformats.org/presentationml/2006/main">
+  <p:cSld>
+    <p:spTree>
+      <p:nvGrpSpPr>
+        <p:cNvPr id="1" name=""/>
+        <p:cNvGrpSpPr/>
+        <p:nvPr/>
+      </p:nvGrpSpPr>
+      <p:grpSpPr>
+        <a:xfrm>
+          <a:off x="0" y="0"/>
+          <a:ext cx="0" cy="0"/>
+          <a:chOff x="0" y="0"/>
+          <a:chExt cx="0" cy="0"/>
+        </a:xfrm>
+      </p:grpSpPr>
+      <p:sp>
+        <p:nvSpPr>
+          <p:cNvPr id="2" name="Slide Image Placeholder 1"/>
+          <p:cNvSpPr>
+            <a:spLocks noGrp="1" noRot="1" noChangeAspect="1"/>
+          </p:cNvSpPr>
+          <p:nvPr>
+            <p:ph type="sldImg"/>
+          </p:nvPr>
+        </p:nvSpPr>
+        <p:spPr/>
+      </p:sp>
+      <p:sp>
+        <p:nvSpPr>
+          <p:cNvPr id="3" name="Notes Placeholder 2"/>
+          <p:cNvSpPr>
+            <a:spLocks noGrp="1"/>
+          </p:cNvSpPr>
+          <p:nvPr>
+            <p:ph type="body" idx="1"/>
+          </p:nvPr>
+        </p:nvSpPr>
+        <p:spPr/>
+        <p:txBody>
+          <a:bodyPr/>
+          <a:lstStyle/>
+          <a:p>
+            <a:pPr marL="0" marR="0" lvl="1" indent="0" algn="l" defTabSz="914400" rtl="0" eaLnBrk="1" fontAlgn="auto" latinLnBrk="0" hangingPunct="1">
+              <a:lnSpc>
+                <a:spcPct val="100000"/>
+              </a:lnSpc>
+              <a:spcBef>
+                <a:spcPts val="0"/>
+              </a:spcBef>
+              <a:spcAft>
+                <a:spcPts val="0"/>
+              </a:spcAft>
+              <a:buClrTx/>
+              <a:buSzTx/>
+              <a:buFontTx/>
+              <a:buNone/>
+              <a:tabLst/>
+              <a:defRPr/>
+            </a:pPr>
+            <a:r>
+              <a:rPr lang="en-US" sz="2800" dirty="0" smtClean="0"/>
+              <a:t>Another: </a:t>
+            </a:r>
+            <a:r>
+              <a:rPr lang="en-US" sz="2800" dirty="0" err="1" smtClean="0"/>
+              <a:t>mengenkripsi</a:t>
+            </a:r>
+            <a:r>
+              <a:rPr lang="en-US" sz="2800" dirty="0" smtClean="0"/>
+              <a:t> plaintext -&gt; private key, </a:t>
+            </a:r>
+            <a:r>
+              <a:rPr lang="en-US" sz="2800" dirty="0" err="1" smtClean="0"/>
+              <a:t>mengekspand</a:t>
+            </a:r>
+            <a:r>
+              <a:rPr lang="en-US" sz="2800" dirty="0" smtClean="0"/>
+              <a:t> private key, </a:t>
+            </a:r>
+            <a:r>
+              <a:rPr lang="en-US" sz="2800" dirty="0" err="1" smtClean="0"/>
+              <a:t>mengirim</a:t>
+            </a:r>
+            <a:r>
+              <a:rPr lang="en-US" sz="2800" dirty="0" smtClean="0"/>
+              <a:t> </a:t>
+            </a:r>
+            <a:r>
+              <a:rPr lang="en-US" sz="2800" dirty="0" err="1" smtClean="0"/>
+              <a:t>hasil</a:t>
+            </a:r>
+            <a:r>
+              <a:rPr lang="en-US" sz="2800" dirty="0" smtClean="0"/>
+              <a:t> expand – private key, decrypt </a:t>
+            </a:r>
+            <a:r>
+              <a:rPr lang="en-US" sz="2800" dirty="0" err="1" smtClean="0"/>
+              <a:t>dengan</a:t>
+            </a:r>
+            <a:r>
+              <a:rPr lang="en-US" sz="2800" dirty="0" smtClean="0"/>
+              <a:t> </a:t>
+            </a:r>
+            <a:r>
+              <a:rPr lang="en-US" sz="2800" dirty="0" err="1" smtClean="0"/>
+              <a:t>hasil</a:t>
+            </a:r>
+            <a:r>
+              <a:rPr lang="en-US" sz="2800" dirty="0" smtClean="0"/>
+              <a:t> </a:t>
+            </a:r>
+            <a:r>
+              <a:rPr lang="en-US" sz="2800" dirty="0" err="1" smtClean="0"/>
+              <a:t>pengurangan</a:t>
+            </a:r>
+            <a:r>
+              <a:rPr lang="en-US" sz="2800" dirty="0" smtClean="0"/>
+              <a:t> </a:t>
+            </a:r>
+            <a:r>
+              <a:rPr lang="en-US" sz="2800" dirty="0" err="1" smtClean="0"/>
+              <a:t>hasil</a:t>
+            </a:r>
+            <a:r>
+              <a:rPr lang="en-US" sz="2800" dirty="0" smtClean="0"/>
+              <a:t> expand</a:t>
+            </a:r>
+            <a:endParaRPr lang="id-ID" sz="2800" dirty="0" smtClean="0"/>
+          </a:p>
+          <a:p>
+            <a:endParaRPr lang="en-US" dirty="0"/>
+          </a:p>
+        </p:txBody>
+      </p:sp>
+      <p:sp>
+        <p:nvSpPr>
+          <p:cNvPr id="4" name="Slide Number Placeholder 3"/>
+          <p:cNvSpPr>
+            <a:spLocks noGrp="1"/>
+          </p:cNvSpPr>
+          <p:nvPr>
+            <p:ph type="sldNum" sz="quarter" idx="10"/>
+          </p:nvPr>
+        </p:nvSpPr>
+        <p:spPr/>
+        <p:txBody>
+          <a:bodyPr/>
+          <a:lstStyle/>
+          <a:p>
+            <a:fld id="{A9F34400-F521-4503-87C5-FB6C3B55544B}" type="slidenum">
+              <a:rPr lang="en-US" smtClean="0"/>
+              <a:t>12</a:t>
+            </a:fld>
+            <a:endParaRPr lang="en-US"/>
+          </a:p>
+        </p:txBody>
+      </p:sp>
+    </p:spTree>
+    <p:extLst>
+      <p:ext uri="{BB962C8B-B14F-4D97-AF65-F5344CB8AC3E}">
+        <p14:creationId xmlns:p14="http://schemas.microsoft.com/office/powerpoint/2010/main" val="3309549651"/>
+      </p:ext>
+    </p:extLst>
+  </p:cSld>
+  <p:clrMapOvr>
+    <a:masterClrMapping/>
+  </p:clrMapOvr>
+</p:notes>
 </file>
 
 <file path=ppt/slideLayouts/slideLayout1.xml><?xml version="1.0" encoding="utf-8"?>
@@ -3400,6 +4029,13 @@
   <p:clrMapOvr>
     <a:masterClrMapping/>
   </p:clrMapOvr>
+  <p:timing>
+    <p:tnLst>
+      <p:par>
+        <p:cTn id="1" dur="indefinite" restart="never" nodeType="tmRoot"/>
+      </p:par>
+    </p:tnLst>
+  </p:timing>
 </p:sld>
 </file>
 
@@ -3523,6 +4159,13 @@
   <p:clrMapOvr>
     <a:masterClrMapping/>
   </p:clrMapOvr>
+  <p:timing>
+    <p:tnLst>
+      <p:par>
+        <p:cTn id="1" dur="indefinite" restart="never" nodeType="tmRoot"/>
+      </p:par>
+    </p:tnLst>
+  </p:timing>
 </p:sld>
 </file>
 
@@ -3615,14 +4258,26 @@
             </a:r>
             <a:r>
               <a:rPr lang="id-ID" sz="2800" dirty="0" smtClean="0"/>
-              <a:t>pun.</a:t>
-            </a:r>
-            <a:endParaRPr lang="id-ID" sz="2800" dirty="0"/>
+              <a:t>pun</a:t>
+            </a:r>
+            <a:r>
+              <a:rPr lang="id-ID" sz="2800" dirty="0" smtClean="0"/>
+              <a:t>.</a:t>
+            </a:r>
+            <a:endParaRPr lang="en-US" sz="2800" dirty="0" smtClean="0"/>
           </a:p>
           <a:p>
             <a:pPr marL="411480" lvl="1" indent="0" algn="just">
               <a:buNone/>
             </a:pPr>
+            <a:r>
+              <a:rPr lang="en-US" sz="2800" dirty="0"/>
+              <a:t>	</a:t>
+            </a:r>
+            <a:r>
+              <a:rPr lang="en-US" sz="2800" dirty="0" smtClean="0"/>
+              <a:t>-</a:t>
+            </a:r>
             <a:endParaRPr lang="id-ID" sz="2800" dirty="0" smtClean="0"/>
           </a:p>
         </p:txBody>
@@ -3665,6 +4320,13 @@
   <p:clrMapOvr>
     <a:masterClrMapping/>
   </p:clrMapOvr>
+  <p:timing>
+    <p:tnLst>
+      <p:par>
+        <p:cTn id="1" dur="indefinite" restart="never" nodeType="tmRoot"/>
+      </p:par>
+    </p:tnLst>
+  </p:timing>
 </p:sld>
 </file>
 
@@ -7966,7 +8628,7 @@
         </p:nvGraphicFramePr>
         <p:xfrm>
           <a:off x="827583" y="4437112"/>
-          <a:ext cx="7593435" cy="583311"/>
+          <a:ext cx="7593435" cy="593408"/>
         </p:xfrm>
         <a:graphic>
           <a:graphicData uri="http://schemas.openxmlformats.org/drawingml/2006/table">
@@ -9650,6 +10312,13 @@
   <p:clrMapOvr>
     <a:masterClrMapping/>
   </p:clrMapOvr>
+  <p:timing>
+    <p:tnLst>
+      <p:par>
+        <p:cTn id="1" dur="indefinite" restart="never" nodeType="tmRoot"/>
+      </p:par>
+    </p:tnLst>
+  </p:timing>
 </p:sld>
 </file>
 
@@ -9752,6 +10421,13 @@
   <p:clrMapOvr>
     <a:masterClrMapping/>
   </p:clrMapOvr>
+  <p:timing>
+    <p:tnLst>
+      <p:par>
+        <p:cTn id="1" dur="indefinite" restart="never" nodeType="tmRoot"/>
+      </p:par>
+    </p:tnLst>
+  </p:timing>
 </p:sld>
 </file>
 
@@ -9986,4 +10662,265 @@
   <a:objectDefaults/>
   <a:extraClrSchemeLst/>
 </a:theme>
+</file>
+
+<file path=ppt/theme/theme2.xml><?xml version="1.0" encoding="utf-8"?>
+<a:theme xmlns:a="http://schemas.openxmlformats.org/drawingml/2006/main" name="Office Theme">
+  <a:themeElements>
+    <a:clrScheme name="Office">
+      <a:dk1>
+        <a:sysClr val="windowText" lastClr="000000"/>
+      </a:dk1>
+      <a:lt1>
+        <a:sysClr val="window" lastClr="FFFFFF"/>
+      </a:lt1>
+      <a:dk2>
+        <a:srgbClr val="44546A"/>
+      </a:dk2>
+      <a:lt2>
+        <a:srgbClr val="E7E6E6"/>
+      </a:lt2>
+      <a:accent1>
+        <a:srgbClr val="5B9BD5"/>
+      </a:accent1>
+      <a:accent2>
+        <a:srgbClr val="ED7D31"/>
+      </a:accent2>
+      <a:accent3>
+        <a:srgbClr val="A5A5A5"/>
+      </a:accent3>
+      <a:accent4>
+        <a:srgbClr val="FFC000"/>
+      </a:accent4>
+      <a:accent5>
+        <a:srgbClr val="4472C4"/>
+      </a:accent5>
+      <a:accent6>
+        <a:srgbClr val="70AD47"/>
+      </a:accent6>
+      <a:hlink>
+        <a:srgbClr val="0563C1"/>
+      </a:hlink>
+      <a:folHlink>
+        <a:srgbClr val="954F72"/>
+      </a:folHlink>
+    </a:clrScheme>
+    <a:fontScheme name="Office">
+      <a:majorFont>
+        <a:latin typeface="Calibri Light" panose="020F0302020204030204"/>
+        <a:ea typeface=""/>
+        <a:cs typeface=""/>
+        <a:font script="Jpan" typeface="ＭＳ Ｐゴシック"/>
+        <a:font script="Hang" typeface="맑은 고딕"/>
+        <a:font script="Hans" typeface="宋体"/>
+        <a:font script="Hant" typeface="新細明體"/>
+        <a:font script="Arab" typeface="Times New Roman"/>
+        <a:font script="Hebr" typeface="Times New Roman"/>
+        <a:font script="Thai" typeface="Angsana New"/>
+        <a:font script="Ethi" typeface="Nyala"/>
+        <a:font script="Beng" typeface="Vrinda"/>
+        <a:font script="Gujr" typeface="Shruti"/>
+        <a:font script="Khmr" typeface="MoolBoran"/>
+        <a:font script="Knda" typeface="Tunga"/>
+        <a:font script="Guru" typeface="Raavi"/>
+        <a:font script="Cans" typeface="Euphemia"/>
+        <a:font script="Cher" typeface="Plantagenet Cherokee"/>
+        <a:font script="Yiii" typeface="Microsoft Yi Baiti"/>
+        <a:font script="Tibt" typeface="Microsoft Himalaya"/>
+        <a:font script="Thaa" typeface="MV Boli"/>
+        <a:font script="Deva" typeface="Mangal"/>
+        <a:font script="Telu" typeface="Gautami"/>
+        <a:font script="Taml" typeface="Latha"/>
+        <a:font script="Syrc" typeface="Estrangelo Edessa"/>
+        <a:font script="Orya" typeface="Kalinga"/>
+        <a:font script="Mlym" typeface="Kartika"/>
+        <a:font script="Laoo" typeface="DokChampa"/>
+        <a:font script="Sinh" typeface="Iskoola Pota"/>
+        <a:font script="Mong" typeface="Mongolian Baiti"/>
+        <a:font script="Viet" typeface="Times New Roman"/>
+        <a:font script="Uigh" typeface="Microsoft Uighur"/>
+        <a:font script="Geor" typeface="Sylfaen"/>
+      </a:majorFont>
+      <a:minorFont>
+        <a:latin typeface="Calibri" panose="020F0502020204030204"/>
+        <a:ea typeface=""/>
+        <a:cs typeface=""/>
+        <a:font script="Jpan" typeface="ＭＳ Ｐゴシック"/>
+        <a:font script="Hang" typeface="맑은 고딕"/>
+        <a:font script="Hans" typeface="宋体"/>
+        <a:font script="Hant" typeface="新細明體"/>
+        <a:font script="Arab" typeface="Arial"/>
+        <a:font script="Hebr" typeface="Arial"/>
+        <a:font script="Thai" typeface="Cordia New"/>
+        <a:font script="Ethi" typeface="Nyala"/>
+        <a:font script="Beng" typeface="Vrinda"/>
+        <a:font script="Gujr" typeface="Shruti"/>
+        <a:font script="Khmr" typeface="DaunPenh"/>
+        <a:font script="Knda" typeface="Tunga"/>
+        <a:font script="Guru" typeface="Raavi"/>
+        <a:font script="Cans" typeface="Euphemia"/>
+        <a:font script="Cher" typeface="Plantagenet Cherokee"/>
+        <a:font script="Yiii" typeface="Microsoft Yi Baiti"/>
+        <a:font script="Tibt" typeface="Microsoft Himalaya"/>
+        <a:font script="Thaa" typeface="MV Boli"/>
+        <a:font script="Deva" typeface="Mangal"/>
+        <a:font script="Telu" typeface="Gautami"/>
+        <a:font script="Taml" typeface="Latha"/>
+        <a:font script="Syrc" typeface="Estrangelo Edessa"/>
+        <a:font script="Orya" typeface="Kalinga"/>
+        <a:font script="Mlym" typeface="Kartika"/>
+        <a:font script="Laoo" typeface="DokChampa"/>
+        <a:font script="Sinh" typeface="Iskoola Pota"/>
+        <a:font script="Mong" typeface="Mongolian Baiti"/>
+        <a:font script="Viet" typeface="Arial"/>
+        <a:font script="Uigh" typeface="Microsoft Uighur"/>
+        <a:font script="Geor" typeface="Sylfaen"/>
+      </a:minorFont>
+    </a:fontScheme>
+    <a:fmtScheme name="Office">
+      <a:fillStyleLst>
+        <a:solidFill>
+          <a:schemeClr val="phClr"/>
+        </a:solidFill>
+        <a:gradFill rotWithShape="1">
+          <a:gsLst>
+            <a:gs pos="0">
+              <a:schemeClr val="phClr">
+                <a:lumMod val="110000"/>
+                <a:satMod val="105000"/>
+                <a:tint val="67000"/>
+              </a:schemeClr>
+            </a:gs>
+            <a:gs pos="50000">
+              <a:schemeClr val="phClr">
+                <a:lumMod val="105000"/>
+                <a:satMod val="103000"/>
+                <a:tint val="73000"/>
+              </a:schemeClr>
+            </a:gs>
+            <a:gs pos="100000">
+              <a:schemeClr val="phClr">
+                <a:lumMod val="105000"/>
+                <a:satMod val="109000"/>
+                <a:tint val="81000"/>
+              </a:schemeClr>
+            </a:gs>
+          </a:gsLst>
+          <a:lin ang="5400000" scaled="0"/>
+        </a:gradFill>
+        <a:gradFill rotWithShape="1">
+          <a:gsLst>
+            <a:gs pos="0">
+              <a:schemeClr val="phClr">
+                <a:satMod val="103000"/>
+                <a:lumMod val="102000"/>
+                <a:tint val="94000"/>
+              </a:schemeClr>
+            </a:gs>
+            <a:gs pos="50000">
+              <a:schemeClr val="phClr">
+                <a:satMod val="110000"/>
+                <a:lumMod val="100000"/>
+                <a:shade val="100000"/>
+              </a:schemeClr>
+            </a:gs>
+            <a:gs pos="100000">
+              <a:schemeClr val="phClr">
+                <a:lumMod val="99000"/>
+                <a:satMod val="120000"/>
+                <a:shade val="78000"/>
+              </a:schemeClr>
+            </a:gs>
+          </a:gsLst>
+          <a:lin ang="5400000" scaled="0"/>
+        </a:gradFill>
+      </a:fillStyleLst>
+      <a:lnStyleLst>
+        <a:ln w="6350" cap="flat" cmpd="sng" algn="ctr">
+          <a:solidFill>
+            <a:schemeClr val="phClr"/>
+          </a:solidFill>
+          <a:prstDash val="solid"/>
+          <a:miter lim="800000"/>
+        </a:ln>
+        <a:ln w="12700" cap="flat" cmpd="sng" algn="ctr">
+          <a:solidFill>
+            <a:schemeClr val="phClr"/>
+          </a:solidFill>
+          <a:prstDash val="solid"/>
+          <a:miter lim="800000"/>
+        </a:ln>
+        <a:ln w="19050" cap="flat" cmpd="sng" algn="ctr">
+          <a:solidFill>
+            <a:schemeClr val="phClr"/>
+          </a:solidFill>
+          <a:prstDash val="solid"/>
+          <a:miter lim="800000"/>
+        </a:ln>
+      </a:lnStyleLst>
+      <a:effectStyleLst>
+        <a:effectStyle>
+          <a:effectLst/>
+        </a:effectStyle>
+        <a:effectStyle>
+          <a:effectLst/>
+        </a:effectStyle>
+        <a:effectStyle>
+          <a:effectLst>
+            <a:outerShdw blurRad="57150" dist="19050" dir="5400000" algn="ctr" rotWithShape="0">
+              <a:srgbClr val="000000">
+                <a:alpha val="63000"/>
+              </a:srgbClr>
+            </a:outerShdw>
+          </a:effectLst>
+        </a:effectStyle>
+      </a:effectStyleLst>
+      <a:bgFillStyleLst>
+        <a:solidFill>
+          <a:schemeClr val="phClr"/>
+        </a:solidFill>
+        <a:solidFill>
+          <a:schemeClr val="phClr">
+            <a:tint val="95000"/>
+            <a:satMod val="170000"/>
+          </a:schemeClr>
+        </a:solidFill>
+        <a:gradFill rotWithShape="1">
+          <a:gsLst>
+            <a:gs pos="0">
+              <a:schemeClr val="phClr">
+                <a:tint val="93000"/>
+                <a:satMod val="150000"/>
+                <a:shade val="98000"/>
+                <a:lumMod val="102000"/>
+              </a:schemeClr>
+            </a:gs>
+            <a:gs pos="50000">
+              <a:schemeClr val="phClr">
+                <a:tint val="98000"/>
+                <a:satMod val="130000"/>
+                <a:shade val="90000"/>
+                <a:lumMod val="103000"/>
+              </a:schemeClr>
+            </a:gs>
+            <a:gs pos="100000">
+              <a:schemeClr val="phClr">
+                <a:shade val="63000"/>
+                <a:satMod val="120000"/>
+              </a:schemeClr>
+            </a:gs>
+          </a:gsLst>
+          <a:lin ang="5400000" scaled="0"/>
+        </a:gradFill>
+      </a:bgFillStyleLst>
+    </a:fmtScheme>
+  </a:themeElements>
+  <a:objectDefaults/>
+  <a:extraClrSchemeLst/>
+  <a:extLst>
+    <a:ext uri="{05A4C25C-085E-4340-85A3-A5531E510DB2}">
+      <thm15:themeFamily xmlns:thm15="http://schemas.microsoft.com/office/thememl/2012/main" name="Office Theme" id="{62F939B6-93AF-4DB8-9C6B-D6C7DFDC589F}" vid="{4A3C46E8-61CC-4603-A589-7422A47A8E4A}"/>
+    </a:ext>
+  </a:extLst>
+</a:theme>
 </file>